--- a/E-commerce.pptx
+++ b/E-commerce.pptx
@@ -4,11 +4,19 @@
   <p:sldMasterIdLst>
     <p:sldMasterId id="2147483744" r:id="rId1"/>
   </p:sldMasterIdLst>
+  <p:notesMasterIdLst>
+    <p:notesMasterId r:id="rId11"/>
+  </p:notesMasterIdLst>
   <p:sldIdLst>
     <p:sldId id="256" r:id="rId2"/>
-    <p:sldId id="259" r:id="rId3"/>
-    <p:sldId id="258" r:id="rId4"/>
-    <p:sldId id="257" r:id="rId5"/>
+    <p:sldId id="261" r:id="rId3"/>
+    <p:sldId id="259" r:id="rId4"/>
+    <p:sldId id="258" r:id="rId5"/>
+    <p:sldId id="260" r:id="rId6"/>
+    <p:sldId id="262" r:id="rId7"/>
+    <p:sldId id="263" r:id="rId8"/>
+    <p:sldId id="264" r:id="rId9"/>
+    <p:sldId id="257" r:id="rId10"/>
   </p:sldIdLst>
   <p:sldSz cx="9144000" cy="6858000" type="screen4x3"/>
   <p:notesSz cx="6858000" cy="9144000"/>
@@ -110,6 +118,356 @@
 </p:presentation>
 </file>
 
+<file path=ppt/notesMasters/notesMaster1.xml><?xml version="1.0" encoding="utf-8"?>
+<p:notesMaster xmlns:a="http://schemas.openxmlformats.org/drawingml/2006/main" xmlns:r="http://schemas.openxmlformats.org/officeDocument/2006/relationships" xmlns:p="http://schemas.openxmlformats.org/presentationml/2006/main">
+  <p:cSld>
+    <p:bg>
+      <p:bgRef idx="1001">
+        <a:schemeClr val="bg1"/>
+      </p:bgRef>
+    </p:bg>
+    <p:spTree>
+      <p:nvGrpSpPr>
+        <p:cNvPr id="1" name=""/>
+        <p:cNvGrpSpPr/>
+        <p:nvPr/>
+      </p:nvGrpSpPr>
+      <p:grpSpPr>
+        <a:xfrm>
+          <a:off x="0" y="0"/>
+          <a:ext cx="0" cy="0"/>
+          <a:chOff x="0" y="0"/>
+          <a:chExt cx="0" cy="0"/>
+        </a:xfrm>
+      </p:grpSpPr>
+      <p:sp>
+        <p:nvSpPr>
+          <p:cNvPr id="2" name="Header Placeholder 1"/>
+          <p:cNvSpPr>
+            <a:spLocks noGrp="1"/>
+          </p:cNvSpPr>
+          <p:nvPr>
+            <p:ph type="hdr" sz="quarter"/>
+          </p:nvPr>
+        </p:nvSpPr>
+        <p:spPr>
+          <a:xfrm>
+            <a:off x="0" y="0"/>
+            <a:ext cx="2971800" cy="457200"/>
+          </a:xfrm>
+          <a:prstGeom prst="rect">
+            <a:avLst/>
+          </a:prstGeom>
+        </p:spPr>
+        <p:txBody>
+          <a:bodyPr vert="horz" lIns="91440" tIns="45720" rIns="91440" bIns="45720" rtlCol="0"/>
+          <a:lstStyle>
+            <a:lvl1pPr algn="l">
+              <a:defRPr sz="1200"/>
+            </a:lvl1pPr>
+          </a:lstStyle>
+          <a:p>
+            <a:endParaRPr lang="en-US"/>
+          </a:p>
+        </p:txBody>
+      </p:sp>
+      <p:sp>
+        <p:nvSpPr>
+          <p:cNvPr id="3" name="Date Placeholder 2"/>
+          <p:cNvSpPr>
+            <a:spLocks noGrp="1"/>
+          </p:cNvSpPr>
+          <p:nvPr>
+            <p:ph type="dt" idx="1"/>
+          </p:nvPr>
+        </p:nvSpPr>
+        <p:spPr>
+          <a:xfrm>
+            <a:off x="3884613" y="0"/>
+            <a:ext cx="2971800" cy="457200"/>
+          </a:xfrm>
+          <a:prstGeom prst="rect">
+            <a:avLst/>
+          </a:prstGeom>
+        </p:spPr>
+        <p:txBody>
+          <a:bodyPr vert="horz" lIns="91440" tIns="45720" rIns="91440" bIns="45720" rtlCol="0"/>
+          <a:lstStyle>
+            <a:lvl1pPr algn="r">
+              <a:defRPr sz="1200"/>
+            </a:lvl1pPr>
+          </a:lstStyle>
+          <a:p>
+            <a:fld id="{AC837905-2028-4D0D-9DF2-E48D44E1B921}" type="datetimeFigureOut">
+              <a:rPr lang="en-US" smtClean="0"/>
+              <a:t>6/27/2022</a:t>
+            </a:fld>
+            <a:endParaRPr lang="en-US"/>
+          </a:p>
+        </p:txBody>
+      </p:sp>
+      <p:sp>
+        <p:nvSpPr>
+          <p:cNvPr id="4" name="Slide Image Placeholder 3"/>
+          <p:cNvSpPr>
+            <a:spLocks noGrp="1" noRot="1" noChangeAspect="1"/>
+          </p:cNvSpPr>
+          <p:nvPr>
+            <p:ph type="sldImg" idx="2"/>
+          </p:nvPr>
+        </p:nvSpPr>
+        <p:spPr>
+          <a:xfrm>
+            <a:off x="1143000" y="685800"/>
+            <a:ext cx="4572000" cy="3429000"/>
+          </a:xfrm>
+          <a:prstGeom prst="rect">
+            <a:avLst/>
+          </a:prstGeom>
+          <a:noFill/>
+          <a:ln w="12700">
+            <a:solidFill>
+              <a:prstClr val="black"/>
+            </a:solidFill>
+          </a:ln>
+        </p:spPr>
+        <p:txBody>
+          <a:bodyPr vert="horz" lIns="91440" tIns="45720" rIns="91440" bIns="45720" rtlCol="0" anchor="ctr"/>
+          <a:lstStyle/>
+          <a:p>
+            <a:endParaRPr lang="en-US"/>
+          </a:p>
+        </p:txBody>
+      </p:sp>
+      <p:sp>
+        <p:nvSpPr>
+          <p:cNvPr id="5" name="Notes Placeholder 4"/>
+          <p:cNvSpPr>
+            <a:spLocks noGrp="1"/>
+          </p:cNvSpPr>
+          <p:nvPr>
+            <p:ph type="body" sz="quarter" idx="3"/>
+          </p:nvPr>
+        </p:nvSpPr>
+        <p:spPr>
+          <a:xfrm>
+            <a:off x="685800" y="4343400"/>
+            <a:ext cx="5486400" cy="4114800"/>
+          </a:xfrm>
+          <a:prstGeom prst="rect">
+            <a:avLst/>
+          </a:prstGeom>
+        </p:spPr>
+        <p:txBody>
+          <a:bodyPr vert="horz" lIns="91440" tIns="45720" rIns="91440" bIns="45720" rtlCol="0"/>
+          <a:lstStyle/>
+          <a:p>
+            <a:pPr lvl="0"/>
+            <a:r>
+              <a:rPr lang="en-US" smtClean="0"/>
+              <a:t>Click to edit Master text styles</a:t>
+            </a:r>
+          </a:p>
+          <a:p>
+            <a:pPr lvl="1"/>
+            <a:r>
+              <a:rPr lang="en-US" smtClean="0"/>
+              <a:t>Second level</a:t>
+            </a:r>
+          </a:p>
+          <a:p>
+            <a:pPr lvl="2"/>
+            <a:r>
+              <a:rPr lang="en-US" smtClean="0"/>
+              <a:t>Third level</a:t>
+            </a:r>
+          </a:p>
+          <a:p>
+            <a:pPr lvl="3"/>
+            <a:r>
+              <a:rPr lang="en-US" smtClean="0"/>
+              <a:t>Fourth level</a:t>
+            </a:r>
+          </a:p>
+          <a:p>
+            <a:pPr lvl="4"/>
+            <a:r>
+              <a:rPr lang="en-US" smtClean="0"/>
+              <a:t>Fifth level</a:t>
+            </a:r>
+            <a:endParaRPr lang="en-US"/>
+          </a:p>
+        </p:txBody>
+      </p:sp>
+      <p:sp>
+        <p:nvSpPr>
+          <p:cNvPr id="6" name="Footer Placeholder 5"/>
+          <p:cNvSpPr>
+            <a:spLocks noGrp="1"/>
+          </p:cNvSpPr>
+          <p:nvPr>
+            <p:ph type="ftr" sz="quarter" idx="4"/>
+          </p:nvPr>
+        </p:nvSpPr>
+        <p:spPr>
+          <a:xfrm>
+            <a:off x="0" y="8685213"/>
+            <a:ext cx="2971800" cy="457200"/>
+          </a:xfrm>
+          <a:prstGeom prst="rect">
+            <a:avLst/>
+          </a:prstGeom>
+        </p:spPr>
+        <p:txBody>
+          <a:bodyPr vert="horz" lIns="91440" tIns="45720" rIns="91440" bIns="45720" rtlCol="0" anchor="b"/>
+          <a:lstStyle>
+            <a:lvl1pPr algn="l">
+              <a:defRPr sz="1200"/>
+            </a:lvl1pPr>
+          </a:lstStyle>
+          <a:p>
+            <a:endParaRPr lang="en-US"/>
+          </a:p>
+        </p:txBody>
+      </p:sp>
+      <p:sp>
+        <p:nvSpPr>
+          <p:cNvPr id="7" name="Slide Number Placeholder 6"/>
+          <p:cNvSpPr>
+            <a:spLocks noGrp="1"/>
+          </p:cNvSpPr>
+          <p:nvPr>
+            <p:ph type="sldNum" sz="quarter" idx="5"/>
+          </p:nvPr>
+        </p:nvSpPr>
+        <p:spPr>
+          <a:xfrm>
+            <a:off x="3884613" y="8685213"/>
+            <a:ext cx="2971800" cy="457200"/>
+          </a:xfrm>
+          <a:prstGeom prst="rect">
+            <a:avLst/>
+          </a:prstGeom>
+        </p:spPr>
+        <p:txBody>
+          <a:bodyPr vert="horz" lIns="91440" tIns="45720" rIns="91440" bIns="45720" rtlCol="0" anchor="b"/>
+          <a:lstStyle>
+            <a:lvl1pPr algn="r">
+              <a:defRPr sz="1200"/>
+            </a:lvl1pPr>
+          </a:lstStyle>
+          <a:p>
+            <a:fld id="{B2A2D99C-1734-4625-B385-1EB65A3918EE}" type="slidenum">
+              <a:rPr lang="en-US" smtClean="0"/>
+              <a:t>‹#›</a:t>
+            </a:fld>
+            <a:endParaRPr lang="en-US"/>
+          </a:p>
+        </p:txBody>
+      </p:sp>
+    </p:spTree>
+    <p:extLst>
+      <p:ext uri="{BB962C8B-B14F-4D97-AF65-F5344CB8AC3E}">
+        <p14:creationId xmlns:p14="http://schemas.microsoft.com/office/powerpoint/2010/main" val="987253470"/>
+      </p:ext>
+    </p:extLst>
+  </p:cSld>
+  <p:clrMap bg1="lt1" tx1="dk1" bg2="lt2" tx2="dk2" accent1="accent1" accent2="accent2" accent3="accent3" accent4="accent4" accent5="accent5" accent6="accent6" hlink="hlink" folHlink="folHlink"/>
+  <p:notesStyle>
+    <a:lvl1pPr marL="0" algn="l" defTabSz="914400" rtl="0" eaLnBrk="1" latinLnBrk="0" hangingPunct="1">
+      <a:defRPr sz="1200" kern="1200">
+        <a:solidFill>
+          <a:schemeClr val="tx1"/>
+        </a:solidFill>
+        <a:latin typeface="+mn-lt"/>
+        <a:ea typeface="+mn-ea"/>
+        <a:cs typeface="+mn-cs"/>
+      </a:defRPr>
+    </a:lvl1pPr>
+    <a:lvl2pPr marL="457200" algn="l" defTabSz="914400" rtl="0" eaLnBrk="1" latinLnBrk="0" hangingPunct="1">
+      <a:defRPr sz="1200" kern="1200">
+        <a:solidFill>
+          <a:schemeClr val="tx1"/>
+        </a:solidFill>
+        <a:latin typeface="+mn-lt"/>
+        <a:ea typeface="+mn-ea"/>
+        <a:cs typeface="+mn-cs"/>
+      </a:defRPr>
+    </a:lvl2pPr>
+    <a:lvl3pPr marL="914400" algn="l" defTabSz="914400" rtl="0" eaLnBrk="1" latinLnBrk="0" hangingPunct="1">
+      <a:defRPr sz="1200" kern="1200">
+        <a:solidFill>
+          <a:schemeClr val="tx1"/>
+        </a:solidFill>
+        <a:latin typeface="+mn-lt"/>
+        <a:ea typeface="+mn-ea"/>
+        <a:cs typeface="+mn-cs"/>
+      </a:defRPr>
+    </a:lvl3pPr>
+    <a:lvl4pPr marL="1371600" algn="l" defTabSz="914400" rtl="0" eaLnBrk="1" latinLnBrk="0" hangingPunct="1">
+      <a:defRPr sz="1200" kern="1200">
+        <a:solidFill>
+          <a:schemeClr val="tx1"/>
+        </a:solidFill>
+        <a:latin typeface="+mn-lt"/>
+        <a:ea typeface="+mn-ea"/>
+        <a:cs typeface="+mn-cs"/>
+      </a:defRPr>
+    </a:lvl4pPr>
+    <a:lvl5pPr marL="1828800" algn="l" defTabSz="914400" rtl="0" eaLnBrk="1" latinLnBrk="0" hangingPunct="1">
+      <a:defRPr sz="1200" kern="1200">
+        <a:solidFill>
+          <a:schemeClr val="tx1"/>
+        </a:solidFill>
+        <a:latin typeface="+mn-lt"/>
+        <a:ea typeface="+mn-ea"/>
+        <a:cs typeface="+mn-cs"/>
+      </a:defRPr>
+    </a:lvl5pPr>
+    <a:lvl6pPr marL="2286000" algn="l" defTabSz="914400" rtl="0" eaLnBrk="1" latinLnBrk="0" hangingPunct="1">
+      <a:defRPr sz="1200" kern="1200">
+        <a:solidFill>
+          <a:schemeClr val="tx1"/>
+        </a:solidFill>
+        <a:latin typeface="+mn-lt"/>
+        <a:ea typeface="+mn-ea"/>
+        <a:cs typeface="+mn-cs"/>
+      </a:defRPr>
+    </a:lvl6pPr>
+    <a:lvl7pPr marL="2743200" algn="l" defTabSz="914400" rtl="0" eaLnBrk="1" latinLnBrk="0" hangingPunct="1">
+      <a:defRPr sz="1200" kern="1200">
+        <a:solidFill>
+          <a:schemeClr val="tx1"/>
+        </a:solidFill>
+        <a:latin typeface="+mn-lt"/>
+        <a:ea typeface="+mn-ea"/>
+        <a:cs typeface="+mn-cs"/>
+      </a:defRPr>
+    </a:lvl7pPr>
+    <a:lvl8pPr marL="3200400" algn="l" defTabSz="914400" rtl="0" eaLnBrk="1" latinLnBrk="0" hangingPunct="1">
+      <a:defRPr sz="1200" kern="1200">
+        <a:solidFill>
+          <a:schemeClr val="tx1"/>
+        </a:solidFill>
+        <a:latin typeface="+mn-lt"/>
+        <a:ea typeface="+mn-ea"/>
+        <a:cs typeface="+mn-cs"/>
+      </a:defRPr>
+    </a:lvl8pPr>
+    <a:lvl9pPr marL="3657600" algn="l" defTabSz="914400" rtl="0" eaLnBrk="1" latinLnBrk="0" hangingPunct="1">
+      <a:defRPr sz="1200" kern="1200">
+        <a:solidFill>
+          <a:schemeClr val="tx1"/>
+        </a:solidFill>
+        <a:latin typeface="+mn-lt"/>
+        <a:ea typeface="+mn-ea"/>
+        <a:cs typeface="+mn-cs"/>
+      </a:defRPr>
+    </a:lvl9pPr>
+  </p:notesStyle>
+</p:notesMaster>
+</file>
+
 <file path=ppt/slideLayouts/slideLayout1.xml><?xml version="1.0" encoding="utf-8"?>
 <p:sldLayout xmlns:a="http://schemas.openxmlformats.org/drawingml/2006/main" xmlns:r="http://schemas.openxmlformats.org/officeDocument/2006/relationships" xmlns:p="http://schemas.openxmlformats.org/presentationml/2006/main" showMasterSp="0" type="title" preserve="1">
   <p:cSld name="Title Slide">
@@ -247,7 +605,7 @@
           <a:p>
             <a:fld id="{2C612B2D-906C-4985-A141-374584A56149}" type="datetimeFigureOut">
               <a:rPr lang="en-US" smtClean="0"/>
-              <a:t>6/23/2022</a:t>
+              <a:t>6/27/2022</a:t>
             </a:fld>
             <a:endParaRPr lang="en-US"/>
           </a:p>
@@ -1116,7 +1474,7 @@
           <a:p>
             <a:fld id="{2C612B2D-906C-4985-A141-374584A56149}" type="datetimeFigureOut">
               <a:rPr lang="en-US" smtClean="0"/>
-              <a:t>6/23/2022</a:t>
+              <a:t>6/27/2022</a:t>
             </a:fld>
             <a:endParaRPr lang="en-US"/>
           </a:p>
@@ -1291,7 +1649,7 @@
           <a:p>
             <a:fld id="{2C612B2D-906C-4985-A141-374584A56149}" type="datetimeFigureOut">
               <a:rPr lang="en-US" smtClean="0"/>
-              <a:t>6/23/2022</a:t>
+              <a:t>6/27/2022</a:t>
             </a:fld>
             <a:endParaRPr lang="en-US"/>
           </a:p>
@@ -1461,7 +1819,7 @@
           <a:p>
             <a:fld id="{2C612B2D-906C-4985-A141-374584A56149}" type="datetimeFigureOut">
               <a:rPr lang="en-US" smtClean="0"/>
-              <a:t>6/23/2022</a:t>
+              <a:t>6/27/2022</a:t>
             </a:fld>
             <a:endParaRPr lang="en-US"/>
           </a:p>
@@ -1671,7 +2029,7 @@
           <a:p>
             <a:fld id="{2C612B2D-906C-4985-A141-374584A56149}" type="datetimeFigureOut">
               <a:rPr lang="en-US" smtClean="0"/>
-              <a:t>6/23/2022</a:t>
+              <a:t>6/27/2022</a:t>
             </a:fld>
             <a:endParaRPr lang="en-US"/>
           </a:p>
@@ -2485,7 +2843,7 @@
           <a:p>
             <a:fld id="{2C612B2D-906C-4985-A141-374584A56149}" type="datetimeFigureOut">
               <a:rPr lang="en-US" smtClean="0"/>
-              <a:t>6/23/2022</a:t>
+              <a:t>6/27/2022</a:t>
             </a:fld>
             <a:endParaRPr lang="en-US"/>
           </a:p>
@@ -2721,7 +3079,7 @@
           <a:p>
             <a:fld id="{2C612B2D-906C-4985-A141-374584A56149}" type="datetimeFigureOut">
               <a:rPr lang="en-US" smtClean="0"/>
-              <a:t>6/23/2022</a:t>
+              <a:t>6/27/2022</a:t>
             </a:fld>
             <a:endParaRPr lang="en-US"/>
           </a:p>
@@ -3044,7 +3402,7 @@
           <a:p>
             <a:fld id="{2C612B2D-906C-4985-A141-374584A56149}" type="datetimeFigureOut">
               <a:rPr lang="en-US" smtClean="0"/>
-              <a:t>6/23/2022</a:t>
+              <a:t>6/27/2022</a:t>
             </a:fld>
             <a:endParaRPr lang="en-US"/>
           </a:p>
@@ -3134,7 +3492,7 @@
           <a:p>
             <a:fld id="{2C612B2D-906C-4985-A141-374584A56149}" type="datetimeFigureOut">
               <a:rPr lang="en-US" smtClean="0"/>
-              <a:t>6/23/2022</a:t>
+              <a:t>6/27/2022</a:t>
             </a:fld>
             <a:endParaRPr lang="en-US"/>
           </a:p>
@@ -3651,7 +4009,7 @@
           <a:p>
             <a:fld id="{2C612B2D-906C-4985-A141-374584A56149}" type="datetimeFigureOut">
               <a:rPr lang="en-US" smtClean="0"/>
-              <a:t>6/23/2022</a:t>
+              <a:t>6/27/2022</a:t>
             </a:fld>
             <a:endParaRPr lang="en-US"/>
           </a:p>
@@ -4162,7 +4520,7 @@
           <a:p>
             <a:fld id="{2C612B2D-906C-4985-A141-374584A56149}" type="datetimeFigureOut">
               <a:rPr lang="en-US" smtClean="0"/>
-              <a:t>6/23/2022</a:t>
+              <a:t>6/27/2022</a:t>
             </a:fld>
             <a:endParaRPr lang="en-US"/>
           </a:p>
@@ -4407,7 +4765,7 @@
           <a:p>
             <a:fld id="{2C612B2D-906C-4985-A141-374584A56149}" type="datetimeFigureOut">
               <a:rPr lang="en-US" smtClean="0"/>
-              <a:t>6/23/2022</a:t>
+              <a:t>6/27/2022</a:t>
             </a:fld>
             <a:endParaRPr lang="en-US"/>
           </a:p>
@@ -5039,14 +5397,7 @@
                 <a:latin typeface="Arial" panose="020B0604020202020204" pitchFamily="34" charset="0"/>
                 <a:cs typeface="Arial" panose="020B0604020202020204" pitchFamily="34" charset="0"/>
               </a:rPr>
-              <a:t>Sprint </a:t>
-            </a:r>
-            <a:r>
-              <a:rPr lang="en-US" sz="5400" b="1" dirty="0" smtClean="0">
-                <a:latin typeface="Arial" panose="020B0604020202020204" pitchFamily="34" charset="0"/>
-                <a:cs typeface="Arial" panose="020B0604020202020204" pitchFamily="34" charset="0"/>
-              </a:rPr>
-              <a:t>1 </a:t>
+              <a:t>Sprint 1 </a:t>
             </a:r>
             <a:r>
               <a:rPr lang="en-US" sz="5400" dirty="0" smtClean="0">
@@ -5200,432 +5551,14 @@
       </p:grpSpPr>
       <p:sp>
         <p:nvSpPr>
-          <p:cNvPr id="3" name="Content Placeholder 2"/>
-          <p:cNvSpPr>
-            <a:spLocks noGrp="1"/>
-          </p:cNvSpPr>
-          <p:nvPr>
-            <p:ph sz="quarter" idx="1"/>
-          </p:nvPr>
-        </p:nvSpPr>
-        <p:spPr>
-          <a:xfrm flipH="1">
-            <a:off x="11125200" y="4495800"/>
-            <a:ext cx="304800" cy="533400"/>
-          </a:xfrm>
-        </p:spPr>
-        <p:txBody>
-          <a:bodyPr>
-            <a:normAutofit fontScale="25000" lnSpcReduction="20000"/>
-          </a:bodyPr>
-          <a:lstStyle/>
-          <a:p>
-            <a:r>
-              <a:rPr lang="en-US" sz="1600" dirty="0" smtClean="0"/>
-              <a:t>Introduction to Building </a:t>
-            </a:r>
-            <a:r>
-              <a:rPr lang="en-US" sz="1600" dirty="0" err="1" smtClean="0"/>
-              <a:t>ASP.Net</a:t>
-            </a:r>
-            <a:r>
-              <a:rPr lang="en-US" sz="1600" dirty="0" smtClean="0"/>
-              <a:t> Core and Angular Web Application</a:t>
-            </a:r>
-            <a:endParaRPr lang="en-US" sz="1600" dirty="0"/>
-          </a:p>
-        </p:txBody>
-      </p:sp>
-      <p:sp>
-        <p:nvSpPr>
-          <p:cNvPr id="5" name="Rectangle 4"/>
-          <p:cNvSpPr/>
-          <p:nvPr/>
-        </p:nvSpPr>
-        <p:spPr>
-          <a:xfrm>
-            <a:off x="2438400" y="2253094"/>
-            <a:ext cx="2195945" cy="1709305"/>
-          </a:xfrm>
-          <a:prstGeom prst="rect">
-            <a:avLst/>
-          </a:prstGeom>
-          <a:solidFill>
-            <a:srgbClr val="0070C0"/>
-          </a:solidFill>
-        </p:spPr>
-        <p:style>
-          <a:lnRef idx="2">
-            <a:schemeClr val="accent1">
-              <a:shade val="50000"/>
-            </a:schemeClr>
-          </a:lnRef>
-          <a:fillRef idx="1">
-            <a:schemeClr val="accent1"/>
-          </a:fillRef>
-          <a:effectRef idx="0">
-            <a:schemeClr val="accent1"/>
-          </a:effectRef>
-          <a:fontRef idx="minor">
-            <a:schemeClr val="lt1"/>
-          </a:fontRef>
-        </p:style>
-        <p:txBody>
-          <a:bodyPr rtlCol="0" anchor="ctr"/>
-          <a:lstStyle/>
-          <a:p>
-            <a:pPr algn="ctr"/>
-            <a:r>
-              <a:rPr lang="en-US" sz="2800" dirty="0" smtClean="0"/>
-              <a:t>Web </a:t>
-            </a:r>
-            <a:r>
-              <a:rPr lang="en-US" sz="2800" dirty="0" err="1" smtClean="0"/>
-              <a:t>Api</a:t>
-            </a:r>
-            <a:endParaRPr lang="en-US" sz="2800" dirty="0"/>
-          </a:p>
-        </p:txBody>
-      </p:sp>
-      <p:sp>
-        <p:nvSpPr>
-          <p:cNvPr id="6" name="Rounded Rectangle 5"/>
-          <p:cNvSpPr/>
-          <p:nvPr/>
-        </p:nvSpPr>
-        <p:spPr>
-          <a:xfrm>
-            <a:off x="5356513" y="2460047"/>
-            <a:ext cx="914400" cy="419100"/>
-          </a:xfrm>
-          <a:prstGeom prst="roundRect">
-            <a:avLst/>
-          </a:prstGeom>
-        </p:spPr>
-        <p:style>
-          <a:lnRef idx="2">
-            <a:schemeClr val="accent1">
-              <a:shade val="50000"/>
-            </a:schemeClr>
-          </a:lnRef>
-          <a:fillRef idx="1">
-            <a:schemeClr val="accent1"/>
-          </a:fillRef>
-          <a:effectRef idx="0">
-            <a:schemeClr val="accent1"/>
-          </a:effectRef>
-          <a:fontRef idx="minor">
-            <a:schemeClr val="lt1"/>
-          </a:fontRef>
-        </p:style>
-        <p:txBody>
-          <a:bodyPr rtlCol="0" anchor="ctr"/>
-          <a:lstStyle/>
-          <a:p>
-            <a:pPr algn="ctr"/>
-            <a:r>
-              <a:rPr lang="en-US" dirty="0" smtClean="0"/>
-              <a:t>Get</a:t>
-            </a:r>
-            <a:endParaRPr lang="en-US" dirty="0"/>
-          </a:p>
-        </p:txBody>
-      </p:sp>
-      <p:sp>
-        <p:nvSpPr>
-          <p:cNvPr id="7" name="Rounded Rectangle 6"/>
-          <p:cNvSpPr/>
-          <p:nvPr/>
-        </p:nvSpPr>
-        <p:spPr>
-          <a:xfrm>
-            <a:off x="5361378" y="3424876"/>
-            <a:ext cx="924791" cy="381000"/>
-          </a:xfrm>
-          <a:prstGeom prst="roundRect">
-            <a:avLst/>
-          </a:prstGeom>
-        </p:spPr>
-        <p:style>
-          <a:lnRef idx="2">
-            <a:schemeClr val="accent1">
-              <a:shade val="50000"/>
-            </a:schemeClr>
-          </a:lnRef>
-          <a:fillRef idx="1">
-            <a:schemeClr val="accent1"/>
-          </a:fillRef>
-          <a:effectRef idx="0">
-            <a:schemeClr val="accent1"/>
-          </a:effectRef>
-          <a:fontRef idx="minor">
-            <a:schemeClr val="lt1"/>
-          </a:fontRef>
-        </p:style>
-        <p:txBody>
-          <a:bodyPr rtlCol="0" anchor="ctr"/>
-          <a:lstStyle/>
-          <a:p>
-            <a:pPr algn="ctr"/>
-            <a:r>
-              <a:rPr lang="en-US" dirty="0" smtClean="0"/>
-              <a:t>Post</a:t>
-            </a:r>
-            <a:endParaRPr lang="en-US" dirty="0"/>
-          </a:p>
-        </p:txBody>
-      </p:sp>
-      <p:sp>
-        <p:nvSpPr>
-          <p:cNvPr id="8" name="Rectangle 7"/>
-          <p:cNvSpPr/>
-          <p:nvPr/>
-        </p:nvSpPr>
-        <p:spPr>
-          <a:xfrm>
-            <a:off x="7010400" y="2253094"/>
-            <a:ext cx="1752600" cy="1709306"/>
-          </a:xfrm>
-          <a:prstGeom prst="rect">
-            <a:avLst/>
-          </a:prstGeom>
-          <a:solidFill>
-            <a:srgbClr val="C00000"/>
-          </a:solidFill>
-        </p:spPr>
-        <p:style>
-          <a:lnRef idx="2">
-            <a:schemeClr val="accent1">
-              <a:shade val="50000"/>
-            </a:schemeClr>
-          </a:lnRef>
-          <a:fillRef idx="1">
-            <a:schemeClr val="accent1"/>
-          </a:fillRef>
-          <a:effectRef idx="0">
-            <a:schemeClr val="accent1"/>
-          </a:effectRef>
-          <a:fontRef idx="minor">
-            <a:schemeClr val="lt1"/>
-          </a:fontRef>
-        </p:style>
-        <p:txBody>
-          <a:bodyPr rtlCol="0" anchor="ctr"/>
-          <a:lstStyle/>
-          <a:p>
-            <a:pPr algn="ctr"/>
-            <a:r>
-              <a:rPr lang="en-US" sz="2800" dirty="0" smtClean="0"/>
-              <a:t>Angular App</a:t>
-            </a:r>
-            <a:endParaRPr lang="en-US" sz="2800" dirty="0"/>
-          </a:p>
-        </p:txBody>
-      </p:sp>
-      <p:sp>
-        <p:nvSpPr>
-          <p:cNvPr id="9" name="Can 8"/>
-          <p:cNvSpPr/>
-          <p:nvPr/>
-        </p:nvSpPr>
-        <p:spPr>
-          <a:xfrm>
-            <a:off x="533400" y="2253095"/>
-            <a:ext cx="1066800" cy="1709305"/>
-          </a:xfrm>
-          <a:prstGeom prst="can">
-            <a:avLst/>
-          </a:prstGeom>
-        </p:spPr>
-        <p:style>
-          <a:lnRef idx="2">
-            <a:schemeClr val="accent1">
-              <a:shade val="50000"/>
-            </a:schemeClr>
-          </a:lnRef>
-          <a:fillRef idx="1">
-            <a:schemeClr val="accent1"/>
-          </a:fillRef>
-          <a:effectRef idx="0">
-            <a:schemeClr val="accent1"/>
-          </a:effectRef>
-          <a:fontRef idx="minor">
-            <a:schemeClr val="lt1"/>
-          </a:fontRef>
-        </p:style>
-        <p:txBody>
-          <a:bodyPr rtlCol="0" anchor="ctr"/>
-          <a:lstStyle/>
-          <a:p>
-            <a:pPr algn="ctr"/>
-            <a:endParaRPr lang="en-US"/>
-          </a:p>
-        </p:txBody>
-      </p:sp>
-      <p:cxnSp>
-        <p:nvCxnSpPr>
-          <p:cNvPr id="11" name="Straight Connector 10"/>
-          <p:cNvCxnSpPr/>
-          <p:nvPr/>
-        </p:nvCxnSpPr>
-        <p:spPr>
-          <a:xfrm>
-            <a:off x="4800600" y="2669597"/>
-            <a:ext cx="457200" cy="0"/>
-          </a:xfrm>
-          <a:prstGeom prst="line">
-            <a:avLst/>
-          </a:prstGeom>
-        </p:spPr>
-        <p:style>
-          <a:lnRef idx="1">
-            <a:schemeClr val="accent1"/>
-          </a:lnRef>
-          <a:fillRef idx="0">
-            <a:schemeClr val="accent1"/>
-          </a:fillRef>
-          <a:effectRef idx="0">
-            <a:schemeClr val="accent1"/>
-          </a:effectRef>
-          <a:fontRef idx="minor">
-            <a:schemeClr val="tx1"/>
-          </a:fontRef>
-        </p:style>
-      </p:cxnSp>
-      <p:cxnSp>
-        <p:nvCxnSpPr>
-          <p:cNvPr id="13" name="Straight Connector 12"/>
-          <p:cNvCxnSpPr/>
-          <p:nvPr/>
-        </p:nvCxnSpPr>
-        <p:spPr>
-          <a:xfrm>
-            <a:off x="4800600" y="3615376"/>
-            <a:ext cx="457200" cy="0"/>
-          </a:xfrm>
-          <a:prstGeom prst="line">
-            <a:avLst/>
-          </a:prstGeom>
-        </p:spPr>
-        <p:style>
-          <a:lnRef idx="1">
-            <a:schemeClr val="accent1"/>
-          </a:lnRef>
-          <a:fillRef idx="0">
-            <a:schemeClr val="accent1"/>
-          </a:fillRef>
-          <a:effectRef idx="0">
-            <a:schemeClr val="accent1"/>
-          </a:effectRef>
-          <a:fontRef idx="minor">
-            <a:schemeClr val="tx1"/>
-          </a:fontRef>
-        </p:style>
-      </p:cxnSp>
-      <p:cxnSp>
-        <p:nvCxnSpPr>
-          <p:cNvPr id="15" name="Straight Connector 14"/>
-          <p:cNvCxnSpPr/>
-          <p:nvPr/>
-        </p:nvCxnSpPr>
-        <p:spPr>
-          <a:xfrm>
-            <a:off x="6400800" y="2669597"/>
-            <a:ext cx="457200" cy="0"/>
-          </a:xfrm>
-          <a:prstGeom prst="line">
-            <a:avLst/>
-          </a:prstGeom>
-        </p:spPr>
-        <p:style>
-          <a:lnRef idx="1">
-            <a:schemeClr val="accent1"/>
-          </a:lnRef>
-          <a:fillRef idx="0">
-            <a:schemeClr val="accent1"/>
-          </a:fillRef>
-          <a:effectRef idx="0">
-            <a:schemeClr val="accent1"/>
-          </a:effectRef>
-          <a:fontRef idx="minor">
-            <a:schemeClr val="tx1"/>
-          </a:fontRef>
-        </p:style>
-      </p:cxnSp>
-      <p:cxnSp>
-        <p:nvCxnSpPr>
-          <p:cNvPr id="17" name="Straight Connector 16"/>
-          <p:cNvCxnSpPr/>
-          <p:nvPr/>
-        </p:nvCxnSpPr>
-        <p:spPr>
-          <a:xfrm>
-            <a:off x="6426200" y="3615376"/>
-            <a:ext cx="457200" cy="0"/>
-          </a:xfrm>
-          <a:prstGeom prst="line">
-            <a:avLst/>
-          </a:prstGeom>
-        </p:spPr>
-        <p:style>
-          <a:lnRef idx="1">
-            <a:schemeClr val="accent1"/>
-          </a:lnRef>
-          <a:fillRef idx="0">
-            <a:schemeClr val="accent1"/>
-          </a:fillRef>
-          <a:effectRef idx="0">
-            <a:schemeClr val="accent1"/>
-          </a:effectRef>
-          <a:fontRef idx="minor">
-            <a:schemeClr val="tx1"/>
-          </a:fontRef>
-        </p:style>
-      </p:cxnSp>
-      <p:cxnSp>
-        <p:nvCxnSpPr>
-          <p:cNvPr id="19" name="Straight Arrow Connector 18"/>
-          <p:cNvCxnSpPr/>
-          <p:nvPr/>
-        </p:nvCxnSpPr>
-        <p:spPr>
-          <a:xfrm>
-            <a:off x="1758044" y="3133147"/>
-            <a:ext cx="533400" cy="0"/>
-          </a:xfrm>
-          <a:prstGeom prst="straightConnector1">
-            <a:avLst/>
-          </a:prstGeom>
-          <a:ln>
-            <a:headEnd type="arrow"/>
-            <a:tailEnd type="arrow"/>
-          </a:ln>
-        </p:spPr>
-        <p:style>
-          <a:lnRef idx="1">
-            <a:schemeClr val="accent1"/>
-          </a:lnRef>
-          <a:fillRef idx="0">
-            <a:schemeClr val="accent1"/>
-          </a:fillRef>
-          <a:effectRef idx="0">
-            <a:schemeClr val="accent1"/>
-          </a:effectRef>
-          <a:fontRef idx="minor">
-            <a:schemeClr val="tx1"/>
-          </a:fontRef>
-        </p:style>
-      </p:cxnSp>
-      <p:sp>
-        <p:nvSpPr>
-          <p:cNvPr id="21" name="TextBox 20"/>
+          <p:cNvPr id="4" name="TextBox 3"/>
           <p:cNvSpPr txBox="1"/>
           <p:nvPr/>
         </p:nvSpPr>
         <p:spPr>
           <a:xfrm>
-            <a:off x="5791200" y="996488"/>
-            <a:ext cx="3352800" cy="646331"/>
+            <a:off x="1219200" y="914400"/>
+            <a:ext cx="5029200" cy="523220"/>
           </a:xfrm>
           <a:prstGeom prst="rect">
             <a:avLst/>
@@ -5638,30 +5571,25 @@
           </a:bodyPr>
           <a:lstStyle/>
           <a:p>
-            <a:r>
-              <a:rPr lang="en-US" sz="3600" b="1" dirty="0" smtClean="0">
-                <a:latin typeface="Arial" panose="020B0604020202020204" pitchFamily="34" charset="0"/>
-                <a:cs typeface="Arial" panose="020B0604020202020204" pitchFamily="34" charset="0"/>
-              </a:rPr>
-              <a:t>FRONT END</a:t>
-            </a:r>
-            <a:endParaRPr lang="en-US" sz="3600" dirty="0">
-              <a:latin typeface="Arial" panose="020B0604020202020204" pitchFamily="34" charset="0"/>
-              <a:cs typeface="Arial" panose="020B0604020202020204" pitchFamily="34" charset="0"/>
-            </a:endParaRPr>
-          </a:p>
-        </p:txBody>
-      </p:sp>
-      <p:sp>
-        <p:nvSpPr>
-          <p:cNvPr id="22" name="TextBox 21"/>
+            <a:pPr algn="ctr"/>
+            <a:r>
+              <a:rPr lang="en-US" sz="2800" dirty="0" smtClean="0"/>
+              <a:t>Contents</a:t>
+            </a:r>
+            <a:endParaRPr lang="en-US" sz="2800" dirty="0"/>
+          </a:p>
+        </p:txBody>
+      </p:sp>
+      <p:sp>
+        <p:nvSpPr>
+          <p:cNvPr id="6" name="TextBox 5"/>
           <p:cNvSpPr txBox="1"/>
           <p:nvPr/>
         </p:nvSpPr>
         <p:spPr>
           <a:xfrm>
-            <a:off x="723900" y="2724449"/>
-            <a:ext cx="609600" cy="677108"/>
+            <a:off x="1219200" y="1752600"/>
+            <a:ext cx="3505200" cy="400110"/>
           </a:xfrm>
           <a:prstGeom prst="rect">
             <a:avLst/>
@@ -5675,12 +5603,8 @@
           <a:lstStyle/>
           <a:p>
             <a:r>
-              <a:rPr lang="en-US" dirty="0" smtClean="0"/>
-              <a:t>  </a:t>
-            </a:r>
-            <a:r>
               <a:rPr lang="en-US" sz="2000" dirty="0" smtClean="0"/>
-              <a:t>DB</a:t>
+              <a:t>1. Flow Diagram</a:t>
             </a:r>
             <a:endParaRPr lang="en-US" sz="2000" dirty="0"/>
           </a:p>
@@ -5688,14 +5612,14 @@
       </p:sp>
       <p:sp>
         <p:nvSpPr>
-          <p:cNvPr id="23" name="TextBox 22"/>
+          <p:cNvPr id="7" name="TextBox 6"/>
           <p:cNvSpPr txBox="1"/>
           <p:nvPr/>
         </p:nvSpPr>
         <p:spPr>
           <a:xfrm>
-            <a:off x="609600" y="4645461"/>
-            <a:ext cx="7707086" cy="646331"/>
+            <a:off x="1219200" y="2362200"/>
+            <a:ext cx="5257800" cy="400110"/>
           </a:xfrm>
           <a:prstGeom prst="rect">
             <a:avLst/>
@@ -5709,33 +5633,23 @@
           <a:lstStyle/>
           <a:p>
             <a:r>
-              <a:rPr lang="en-US" dirty="0" smtClean="0"/>
-              <a:t>Introduction to Building ASP </a:t>
-            </a:r>
-            <a:r>
-              <a:rPr lang="en-US" dirty="0" err="1" smtClean="0"/>
-              <a:t>.Net</a:t>
-            </a:r>
-            <a:r>
-              <a:rPr lang="en-US" dirty="0" smtClean="0"/>
-              <a:t> Core and Angular Web Application</a:t>
-            </a:r>
-          </a:p>
-          <a:p>
-            <a:endParaRPr lang="en-US" dirty="0"/>
-          </a:p>
-        </p:txBody>
-      </p:sp>
-      <p:sp>
-        <p:nvSpPr>
-          <p:cNvPr id="25" name="TextBox 24"/>
+              <a:rPr lang="en-US" sz="2000" dirty="0" smtClean="0"/>
+              <a:t>2. Features</a:t>
+            </a:r>
+            <a:endParaRPr lang="en-US" sz="2000" dirty="0"/>
+          </a:p>
+        </p:txBody>
+      </p:sp>
+      <p:sp>
+        <p:nvSpPr>
+          <p:cNvPr id="8" name="TextBox 7"/>
           <p:cNvSpPr txBox="1"/>
           <p:nvPr/>
         </p:nvSpPr>
         <p:spPr>
           <a:xfrm>
-            <a:off x="533400" y="996486"/>
-            <a:ext cx="3200400" cy="646331"/>
+            <a:off x="1219200" y="3028434"/>
+            <a:ext cx="1752600" cy="369332"/>
           </a:xfrm>
           <a:prstGeom prst="rect">
             <a:avLst/>
@@ -5749,23 +5663,17 @@
           <a:lstStyle/>
           <a:p>
             <a:r>
-              <a:rPr lang="en-US" sz="3600" b="1" dirty="0" smtClean="0">
-                <a:latin typeface="Arial" panose="020B0604020202020204" pitchFamily="34" charset="0"/>
-                <a:cs typeface="Arial" panose="020B0604020202020204" pitchFamily="34" charset="0"/>
-              </a:rPr>
-              <a:t>BACK END</a:t>
-            </a:r>
-            <a:endParaRPr lang="en-US" sz="3600" b="1" dirty="0">
-              <a:latin typeface="Arial" panose="020B0604020202020204" pitchFamily="34" charset="0"/>
-              <a:cs typeface="Arial" panose="020B0604020202020204" pitchFamily="34" charset="0"/>
-            </a:endParaRPr>
+              <a:rPr lang="en-US" dirty="0" smtClean="0"/>
+              <a:t>3. Tables</a:t>
+            </a:r>
+            <a:endParaRPr lang="en-US" dirty="0"/>
           </a:p>
         </p:txBody>
       </p:sp>
     </p:spTree>
     <p:extLst>
       <p:ext uri="{BB962C8B-B14F-4D97-AF65-F5344CB8AC3E}">
-        <p14:creationId xmlns:p14="http://schemas.microsoft.com/office/powerpoint/2010/main" val="1521920431"/>
+        <p14:creationId xmlns:p14="http://schemas.microsoft.com/office/powerpoint/2010/main" val="2432550050"/>
       </p:ext>
     </p:extLst>
   </p:cSld>
@@ -5794,6 +5702,600 @@
       </p:grpSpPr>
       <p:sp>
         <p:nvSpPr>
+          <p:cNvPr id="3" name="Content Placeholder 2"/>
+          <p:cNvSpPr>
+            <a:spLocks noGrp="1"/>
+          </p:cNvSpPr>
+          <p:nvPr>
+            <p:ph sz="quarter" idx="1"/>
+          </p:nvPr>
+        </p:nvSpPr>
+        <p:spPr>
+          <a:xfrm flipH="1">
+            <a:off x="11125200" y="4495800"/>
+            <a:ext cx="304800" cy="533400"/>
+          </a:xfrm>
+        </p:spPr>
+        <p:txBody>
+          <a:bodyPr>
+            <a:normAutofit fontScale="25000" lnSpcReduction="20000"/>
+          </a:bodyPr>
+          <a:lstStyle/>
+          <a:p>
+            <a:r>
+              <a:rPr lang="en-US" sz="1600" dirty="0" smtClean="0"/>
+              <a:t>Introduction to Building </a:t>
+            </a:r>
+            <a:r>
+              <a:rPr lang="en-US" sz="1600" dirty="0" err="1" smtClean="0"/>
+              <a:t>ASP.Net</a:t>
+            </a:r>
+            <a:r>
+              <a:rPr lang="en-US" sz="1600" dirty="0" smtClean="0"/>
+              <a:t> Core and Angular Web Application</a:t>
+            </a:r>
+            <a:endParaRPr lang="en-US" sz="1600" dirty="0"/>
+          </a:p>
+        </p:txBody>
+      </p:sp>
+      <p:sp>
+        <p:nvSpPr>
+          <p:cNvPr id="5" name="Rectangle 4"/>
+          <p:cNvSpPr/>
+          <p:nvPr/>
+        </p:nvSpPr>
+        <p:spPr>
+          <a:xfrm>
+            <a:off x="2438400" y="2253094"/>
+            <a:ext cx="2195945" cy="1709305"/>
+          </a:xfrm>
+          <a:prstGeom prst="rect">
+            <a:avLst/>
+          </a:prstGeom>
+          <a:solidFill>
+            <a:srgbClr val="0070C0"/>
+          </a:solidFill>
+        </p:spPr>
+        <p:style>
+          <a:lnRef idx="2">
+            <a:schemeClr val="accent1">
+              <a:shade val="50000"/>
+            </a:schemeClr>
+          </a:lnRef>
+          <a:fillRef idx="1">
+            <a:schemeClr val="accent1"/>
+          </a:fillRef>
+          <a:effectRef idx="0">
+            <a:schemeClr val="accent1"/>
+          </a:effectRef>
+          <a:fontRef idx="minor">
+            <a:schemeClr val="lt1"/>
+          </a:fontRef>
+        </p:style>
+        <p:txBody>
+          <a:bodyPr rtlCol="0" anchor="ctr"/>
+          <a:lstStyle/>
+          <a:p>
+            <a:pPr algn="ctr"/>
+            <a:r>
+              <a:rPr lang="en-US" sz="2800" dirty="0" smtClean="0"/>
+              <a:t>Web </a:t>
+            </a:r>
+            <a:r>
+              <a:rPr lang="en-US" sz="2800" dirty="0" err="1" smtClean="0"/>
+              <a:t>Api</a:t>
+            </a:r>
+            <a:endParaRPr lang="en-US" sz="2800" dirty="0"/>
+          </a:p>
+        </p:txBody>
+      </p:sp>
+      <p:sp>
+        <p:nvSpPr>
+          <p:cNvPr id="6" name="Rounded Rectangle 5"/>
+          <p:cNvSpPr/>
+          <p:nvPr/>
+        </p:nvSpPr>
+        <p:spPr>
+          <a:xfrm>
+            <a:off x="5356513" y="2460047"/>
+            <a:ext cx="914400" cy="419100"/>
+          </a:xfrm>
+          <a:prstGeom prst="roundRect">
+            <a:avLst/>
+          </a:prstGeom>
+        </p:spPr>
+        <p:style>
+          <a:lnRef idx="2">
+            <a:schemeClr val="accent1">
+              <a:shade val="50000"/>
+            </a:schemeClr>
+          </a:lnRef>
+          <a:fillRef idx="1">
+            <a:schemeClr val="accent1"/>
+          </a:fillRef>
+          <a:effectRef idx="0">
+            <a:schemeClr val="accent1"/>
+          </a:effectRef>
+          <a:fontRef idx="minor">
+            <a:schemeClr val="lt1"/>
+          </a:fontRef>
+        </p:style>
+        <p:txBody>
+          <a:bodyPr rtlCol="0" anchor="ctr"/>
+          <a:lstStyle/>
+          <a:p>
+            <a:pPr algn="ctr"/>
+            <a:r>
+              <a:rPr lang="en-US" dirty="0" smtClean="0"/>
+              <a:t>Get</a:t>
+            </a:r>
+            <a:endParaRPr lang="en-US" dirty="0"/>
+          </a:p>
+        </p:txBody>
+      </p:sp>
+      <p:sp>
+        <p:nvSpPr>
+          <p:cNvPr id="7" name="Rounded Rectangle 6"/>
+          <p:cNvSpPr/>
+          <p:nvPr/>
+        </p:nvSpPr>
+        <p:spPr>
+          <a:xfrm>
+            <a:off x="5361378" y="3424876"/>
+            <a:ext cx="924791" cy="381000"/>
+          </a:xfrm>
+          <a:prstGeom prst="roundRect">
+            <a:avLst/>
+          </a:prstGeom>
+        </p:spPr>
+        <p:style>
+          <a:lnRef idx="2">
+            <a:schemeClr val="accent1">
+              <a:shade val="50000"/>
+            </a:schemeClr>
+          </a:lnRef>
+          <a:fillRef idx="1">
+            <a:schemeClr val="accent1"/>
+          </a:fillRef>
+          <a:effectRef idx="0">
+            <a:schemeClr val="accent1"/>
+          </a:effectRef>
+          <a:fontRef idx="minor">
+            <a:schemeClr val="lt1"/>
+          </a:fontRef>
+        </p:style>
+        <p:txBody>
+          <a:bodyPr rtlCol="0" anchor="ctr"/>
+          <a:lstStyle/>
+          <a:p>
+            <a:pPr algn="ctr"/>
+            <a:r>
+              <a:rPr lang="en-US" dirty="0" smtClean="0"/>
+              <a:t>Post</a:t>
+            </a:r>
+            <a:endParaRPr lang="en-US" dirty="0"/>
+          </a:p>
+        </p:txBody>
+      </p:sp>
+      <p:sp>
+        <p:nvSpPr>
+          <p:cNvPr id="8" name="Rectangle 7"/>
+          <p:cNvSpPr/>
+          <p:nvPr/>
+        </p:nvSpPr>
+        <p:spPr>
+          <a:xfrm>
+            <a:off x="7010400" y="2253094"/>
+            <a:ext cx="1752600" cy="1709306"/>
+          </a:xfrm>
+          <a:prstGeom prst="rect">
+            <a:avLst/>
+          </a:prstGeom>
+          <a:solidFill>
+            <a:srgbClr val="C00000"/>
+          </a:solidFill>
+        </p:spPr>
+        <p:style>
+          <a:lnRef idx="2">
+            <a:schemeClr val="accent1">
+              <a:shade val="50000"/>
+            </a:schemeClr>
+          </a:lnRef>
+          <a:fillRef idx="1">
+            <a:schemeClr val="accent1"/>
+          </a:fillRef>
+          <a:effectRef idx="0">
+            <a:schemeClr val="accent1"/>
+          </a:effectRef>
+          <a:fontRef idx="minor">
+            <a:schemeClr val="lt1"/>
+          </a:fontRef>
+        </p:style>
+        <p:txBody>
+          <a:bodyPr rtlCol="0" anchor="ctr"/>
+          <a:lstStyle/>
+          <a:p>
+            <a:pPr algn="ctr"/>
+            <a:r>
+              <a:rPr lang="en-US" sz="2800" dirty="0" smtClean="0"/>
+              <a:t>Angular App</a:t>
+            </a:r>
+            <a:endParaRPr lang="en-US" sz="2800" dirty="0"/>
+          </a:p>
+        </p:txBody>
+      </p:sp>
+      <p:sp>
+        <p:nvSpPr>
+          <p:cNvPr id="9" name="Can 8"/>
+          <p:cNvSpPr/>
+          <p:nvPr/>
+        </p:nvSpPr>
+        <p:spPr>
+          <a:xfrm>
+            <a:off x="533400" y="2253095"/>
+            <a:ext cx="1066800" cy="1709305"/>
+          </a:xfrm>
+          <a:prstGeom prst="can">
+            <a:avLst/>
+          </a:prstGeom>
+        </p:spPr>
+        <p:style>
+          <a:lnRef idx="2">
+            <a:schemeClr val="accent1">
+              <a:shade val="50000"/>
+            </a:schemeClr>
+          </a:lnRef>
+          <a:fillRef idx="1">
+            <a:schemeClr val="accent1"/>
+          </a:fillRef>
+          <a:effectRef idx="0">
+            <a:schemeClr val="accent1"/>
+          </a:effectRef>
+          <a:fontRef idx="minor">
+            <a:schemeClr val="lt1"/>
+          </a:fontRef>
+        </p:style>
+        <p:txBody>
+          <a:bodyPr rtlCol="0" anchor="ctr"/>
+          <a:lstStyle/>
+          <a:p>
+            <a:pPr algn="ctr"/>
+            <a:endParaRPr lang="en-US"/>
+          </a:p>
+        </p:txBody>
+      </p:sp>
+      <p:cxnSp>
+        <p:nvCxnSpPr>
+          <p:cNvPr id="11" name="Straight Connector 10"/>
+          <p:cNvCxnSpPr/>
+          <p:nvPr/>
+        </p:nvCxnSpPr>
+        <p:spPr>
+          <a:xfrm>
+            <a:off x="4800600" y="2669597"/>
+            <a:ext cx="457200" cy="0"/>
+          </a:xfrm>
+          <a:prstGeom prst="line">
+            <a:avLst/>
+          </a:prstGeom>
+        </p:spPr>
+        <p:style>
+          <a:lnRef idx="1">
+            <a:schemeClr val="accent1"/>
+          </a:lnRef>
+          <a:fillRef idx="0">
+            <a:schemeClr val="accent1"/>
+          </a:fillRef>
+          <a:effectRef idx="0">
+            <a:schemeClr val="accent1"/>
+          </a:effectRef>
+          <a:fontRef idx="minor">
+            <a:schemeClr val="tx1"/>
+          </a:fontRef>
+        </p:style>
+      </p:cxnSp>
+      <p:cxnSp>
+        <p:nvCxnSpPr>
+          <p:cNvPr id="13" name="Straight Connector 12"/>
+          <p:cNvCxnSpPr/>
+          <p:nvPr/>
+        </p:nvCxnSpPr>
+        <p:spPr>
+          <a:xfrm>
+            <a:off x="4800600" y="3615376"/>
+            <a:ext cx="457200" cy="0"/>
+          </a:xfrm>
+          <a:prstGeom prst="line">
+            <a:avLst/>
+          </a:prstGeom>
+        </p:spPr>
+        <p:style>
+          <a:lnRef idx="1">
+            <a:schemeClr val="accent1"/>
+          </a:lnRef>
+          <a:fillRef idx="0">
+            <a:schemeClr val="accent1"/>
+          </a:fillRef>
+          <a:effectRef idx="0">
+            <a:schemeClr val="accent1"/>
+          </a:effectRef>
+          <a:fontRef idx="minor">
+            <a:schemeClr val="tx1"/>
+          </a:fontRef>
+        </p:style>
+      </p:cxnSp>
+      <p:cxnSp>
+        <p:nvCxnSpPr>
+          <p:cNvPr id="15" name="Straight Connector 14"/>
+          <p:cNvCxnSpPr/>
+          <p:nvPr/>
+        </p:nvCxnSpPr>
+        <p:spPr>
+          <a:xfrm>
+            <a:off x="6400800" y="2669597"/>
+            <a:ext cx="457200" cy="0"/>
+          </a:xfrm>
+          <a:prstGeom prst="line">
+            <a:avLst/>
+          </a:prstGeom>
+        </p:spPr>
+        <p:style>
+          <a:lnRef idx="1">
+            <a:schemeClr val="accent1"/>
+          </a:lnRef>
+          <a:fillRef idx="0">
+            <a:schemeClr val="accent1"/>
+          </a:fillRef>
+          <a:effectRef idx="0">
+            <a:schemeClr val="accent1"/>
+          </a:effectRef>
+          <a:fontRef idx="minor">
+            <a:schemeClr val="tx1"/>
+          </a:fontRef>
+        </p:style>
+      </p:cxnSp>
+      <p:cxnSp>
+        <p:nvCxnSpPr>
+          <p:cNvPr id="17" name="Straight Connector 16"/>
+          <p:cNvCxnSpPr/>
+          <p:nvPr/>
+        </p:nvCxnSpPr>
+        <p:spPr>
+          <a:xfrm>
+            <a:off x="6426200" y="3615376"/>
+            <a:ext cx="457200" cy="0"/>
+          </a:xfrm>
+          <a:prstGeom prst="line">
+            <a:avLst/>
+          </a:prstGeom>
+        </p:spPr>
+        <p:style>
+          <a:lnRef idx="1">
+            <a:schemeClr val="accent1"/>
+          </a:lnRef>
+          <a:fillRef idx="0">
+            <a:schemeClr val="accent1"/>
+          </a:fillRef>
+          <a:effectRef idx="0">
+            <a:schemeClr val="accent1"/>
+          </a:effectRef>
+          <a:fontRef idx="minor">
+            <a:schemeClr val="tx1"/>
+          </a:fontRef>
+        </p:style>
+      </p:cxnSp>
+      <p:cxnSp>
+        <p:nvCxnSpPr>
+          <p:cNvPr id="19" name="Straight Arrow Connector 18"/>
+          <p:cNvCxnSpPr/>
+          <p:nvPr/>
+        </p:nvCxnSpPr>
+        <p:spPr>
+          <a:xfrm>
+            <a:off x="1758044" y="3133147"/>
+            <a:ext cx="533400" cy="0"/>
+          </a:xfrm>
+          <a:prstGeom prst="straightConnector1">
+            <a:avLst/>
+          </a:prstGeom>
+          <a:ln>
+            <a:headEnd type="arrow"/>
+            <a:tailEnd type="arrow"/>
+          </a:ln>
+        </p:spPr>
+        <p:style>
+          <a:lnRef idx="1">
+            <a:schemeClr val="accent1"/>
+          </a:lnRef>
+          <a:fillRef idx="0">
+            <a:schemeClr val="accent1"/>
+          </a:fillRef>
+          <a:effectRef idx="0">
+            <a:schemeClr val="accent1"/>
+          </a:effectRef>
+          <a:fontRef idx="minor">
+            <a:schemeClr val="tx1"/>
+          </a:fontRef>
+        </p:style>
+      </p:cxnSp>
+      <p:sp>
+        <p:nvSpPr>
+          <p:cNvPr id="21" name="TextBox 20"/>
+          <p:cNvSpPr txBox="1"/>
+          <p:nvPr/>
+        </p:nvSpPr>
+        <p:spPr>
+          <a:xfrm>
+            <a:off x="5791200" y="996488"/>
+            <a:ext cx="3352800" cy="646331"/>
+          </a:xfrm>
+          <a:prstGeom prst="rect">
+            <a:avLst/>
+          </a:prstGeom>
+          <a:noFill/>
+        </p:spPr>
+        <p:txBody>
+          <a:bodyPr wrap="square" rtlCol="0">
+            <a:spAutoFit/>
+          </a:bodyPr>
+          <a:lstStyle/>
+          <a:p>
+            <a:r>
+              <a:rPr lang="en-US" sz="3600" b="1" dirty="0" smtClean="0">
+                <a:latin typeface="Arial" panose="020B0604020202020204" pitchFamily="34" charset="0"/>
+                <a:cs typeface="Arial" panose="020B0604020202020204" pitchFamily="34" charset="0"/>
+              </a:rPr>
+              <a:t>FRONT END</a:t>
+            </a:r>
+            <a:endParaRPr lang="en-US" sz="3600" dirty="0">
+              <a:latin typeface="Arial" panose="020B0604020202020204" pitchFamily="34" charset="0"/>
+              <a:cs typeface="Arial" panose="020B0604020202020204" pitchFamily="34" charset="0"/>
+            </a:endParaRPr>
+          </a:p>
+        </p:txBody>
+      </p:sp>
+      <p:sp>
+        <p:nvSpPr>
+          <p:cNvPr id="22" name="TextBox 21"/>
+          <p:cNvSpPr txBox="1"/>
+          <p:nvPr/>
+        </p:nvSpPr>
+        <p:spPr>
+          <a:xfrm>
+            <a:off x="723900" y="2724449"/>
+            <a:ext cx="609600" cy="677108"/>
+          </a:xfrm>
+          <a:prstGeom prst="rect">
+            <a:avLst/>
+          </a:prstGeom>
+          <a:noFill/>
+        </p:spPr>
+        <p:txBody>
+          <a:bodyPr wrap="square" rtlCol="0">
+            <a:spAutoFit/>
+          </a:bodyPr>
+          <a:lstStyle/>
+          <a:p>
+            <a:r>
+              <a:rPr lang="en-US" dirty="0" smtClean="0"/>
+              <a:t>  </a:t>
+            </a:r>
+            <a:r>
+              <a:rPr lang="en-US" sz="2000" dirty="0" smtClean="0"/>
+              <a:t>DB</a:t>
+            </a:r>
+            <a:endParaRPr lang="en-US" sz="2000" dirty="0"/>
+          </a:p>
+        </p:txBody>
+      </p:sp>
+      <p:sp>
+        <p:nvSpPr>
+          <p:cNvPr id="23" name="TextBox 22"/>
+          <p:cNvSpPr txBox="1"/>
+          <p:nvPr/>
+        </p:nvSpPr>
+        <p:spPr>
+          <a:xfrm>
+            <a:off x="609600" y="4645461"/>
+            <a:ext cx="7707086" cy="646331"/>
+          </a:xfrm>
+          <a:prstGeom prst="rect">
+            <a:avLst/>
+          </a:prstGeom>
+          <a:noFill/>
+        </p:spPr>
+        <p:txBody>
+          <a:bodyPr wrap="square" rtlCol="0">
+            <a:spAutoFit/>
+          </a:bodyPr>
+          <a:lstStyle/>
+          <a:p>
+            <a:r>
+              <a:rPr lang="en-US" dirty="0" smtClean="0"/>
+              <a:t>Introduction to Building ASP </a:t>
+            </a:r>
+            <a:r>
+              <a:rPr lang="en-US" dirty="0" err="1" smtClean="0"/>
+              <a:t>.Net</a:t>
+            </a:r>
+            <a:r>
+              <a:rPr lang="en-US" dirty="0" smtClean="0"/>
+              <a:t> Core and Angular Web Application</a:t>
+            </a:r>
+          </a:p>
+          <a:p>
+            <a:endParaRPr lang="en-US" dirty="0"/>
+          </a:p>
+        </p:txBody>
+      </p:sp>
+      <p:sp>
+        <p:nvSpPr>
+          <p:cNvPr id="25" name="TextBox 24"/>
+          <p:cNvSpPr txBox="1"/>
+          <p:nvPr/>
+        </p:nvSpPr>
+        <p:spPr>
+          <a:xfrm>
+            <a:off x="533400" y="996486"/>
+            <a:ext cx="3200400" cy="646331"/>
+          </a:xfrm>
+          <a:prstGeom prst="rect">
+            <a:avLst/>
+          </a:prstGeom>
+          <a:noFill/>
+        </p:spPr>
+        <p:txBody>
+          <a:bodyPr wrap="square" rtlCol="0">
+            <a:spAutoFit/>
+          </a:bodyPr>
+          <a:lstStyle/>
+          <a:p>
+            <a:r>
+              <a:rPr lang="en-US" sz="3600" b="1" dirty="0" smtClean="0">
+                <a:latin typeface="Arial" panose="020B0604020202020204" pitchFamily="34" charset="0"/>
+                <a:cs typeface="Arial" panose="020B0604020202020204" pitchFamily="34" charset="0"/>
+              </a:rPr>
+              <a:t>BACK END</a:t>
+            </a:r>
+            <a:endParaRPr lang="en-US" sz="3600" b="1" dirty="0">
+              <a:latin typeface="Arial" panose="020B0604020202020204" pitchFamily="34" charset="0"/>
+              <a:cs typeface="Arial" panose="020B0604020202020204" pitchFamily="34" charset="0"/>
+            </a:endParaRPr>
+          </a:p>
+        </p:txBody>
+      </p:sp>
+    </p:spTree>
+    <p:extLst>
+      <p:ext uri="{BB962C8B-B14F-4D97-AF65-F5344CB8AC3E}">
+        <p14:creationId xmlns:p14="http://schemas.microsoft.com/office/powerpoint/2010/main" val="1521920431"/>
+      </p:ext>
+    </p:extLst>
+  </p:cSld>
+  <p:clrMapOvr>
+    <a:masterClrMapping/>
+  </p:clrMapOvr>
+</p:sld>
+</file>
+
+<file path=ppt/slides/slide4.xml><?xml version="1.0" encoding="utf-8"?>
+<p:sld xmlns:a="http://schemas.openxmlformats.org/drawingml/2006/main" xmlns:r="http://schemas.openxmlformats.org/officeDocument/2006/relationships" xmlns:p="http://schemas.openxmlformats.org/presentationml/2006/main">
+  <p:cSld>
+    <p:spTree>
+      <p:nvGrpSpPr>
+        <p:cNvPr id="1" name=""/>
+        <p:cNvGrpSpPr/>
+        <p:nvPr/>
+      </p:nvGrpSpPr>
+      <p:grpSpPr>
+        <a:xfrm>
+          <a:off x="0" y="0"/>
+          <a:ext cx="0" cy="0"/>
+          <a:chOff x="0" y="0"/>
+          <a:chExt cx="0" cy="0"/>
+        </a:xfrm>
+      </p:grpSpPr>
+      <p:sp>
+        <p:nvSpPr>
           <p:cNvPr id="4" name="TextBox 3"/>
           <p:cNvSpPr txBox="1"/>
           <p:nvPr/>
@@ -6041,7 +6543,1086 @@
 </p:sld>
 </file>
 
-<file path=ppt/slides/slide4.xml><?xml version="1.0" encoding="utf-8"?>
+<file path=ppt/slides/slide5.xml><?xml version="1.0" encoding="utf-8"?>
+<p:sld xmlns:a="http://schemas.openxmlformats.org/drawingml/2006/main" xmlns:r="http://schemas.openxmlformats.org/officeDocument/2006/relationships" xmlns:p="http://schemas.openxmlformats.org/presentationml/2006/main">
+  <p:cSld>
+    <p:spTree>
+      <p:nvGrpSpPr>
+        <p:cNvPr id="1" name=""/>
+        <p:cNvGrpSpPr/>
+        <p:nvPr/>
+      </p:nvGrpSpPr>
+      <p:grpSpPr>
+        <a:xfrm>
+          <a:off x="0" y="0"/>
+          <a:ext cx="0" cy="0"/>
+          <a:chOff x="0" y="0"/>
+          <a:chExt cx="0" cy="0"/>
+        </a:xfrm>
+      </p:grpSpPr>
+      <p:graphicFrame>
+        <p:nvGraphicFramePr>
+          <p:cNvPr id="4" name="Content Placeholder 3"/>
+          <p:cNvGraphicFramePr>
+            <a:graphicFrameLocks noGrp="1"/>
+          </p:cNvGraphicFramePr>
+          <p:nvPr>
+            <p:ph sz="quarter" idx="1"/>
+            <p:extLst>
+              <p:ext uri="{D42A27DB-BD31-4B8C-83A1-F6EECF244321}">
+                <p14:modId xmlns:p14="http://schemas.microsoft.com/office/powerpoint/2010/main" val="1800846364"/>
+              </p:ext>
+            </p:extLst>
+          </p:nvPr>
+        </p:nvGraphicFramePr>
+        <p:xfrm>
+          <a:off x="558800" y="1311672"/>
+          <a:ext cx="7467600" cy="1483360"/>
+        </p:xfrm>
+        <a:graphic>
+          <a:graphicData uri="http://schemas.openxmlformats.org/drawingml/2006/table">
+            <a:tbl>
+              <a:tblPr firstRow="1" bandRow="1">
+                <a:tableStyleId>{5C22544A-7EE6-4342-B048-85BDC9FD1C3A}</a:tableStyleId>
+              </a:tblPr>
+              <a:tblGrid>
+                <a:gridCol w="1866900"/>
+                <a:gridCol w="2095500"/>
+                <a:gridCol w="1638300"/>
+                <a:gridCol w="1866900"/>
+              </a:tblGrid>
+              <a:tr h="370840">
+                <a:tc>
+                  <a:txBody>
+                    <a:bodyPr/>
+                    <a:lstStyle/>
+                    <a:p>
+                      <a:r>
+                        <a:rPr lang="en-US" dirty="0" smtClean="0"/>
+                        <a:t>ID </a:t>
+                      </a:r>
+                      <a:endParaRPr lang="en-US" dirty="0"/>
+                    </a:p>
+                  </a:txBody>
+                  <a:tcPr/>
+                </a:tc>
+                <a:tc>
+                  <a:txBody>
+                    <a:bodyPr/>
+                    <a:lstStyle/>
+                    <a:p>
+                      <a:r>
+                        <a:rPr lang="en-US" dirty="0" err="1" smtClean="0"/>
+                        <a:t>UserName</a:t>
+                      </a:r>
+                      <a:endParaRPr lang="en-US" dirty="0"/>
+                    </a:p>
+                  </a:txBody>
+                  <a:tcPr/>
+                </a:tc>
+                <a:tc>
+                  <a:txBody>
+                    <a:bodyPr/>
+                    <a:lstStyle/>
+                    <a:p>
+                      <a:r>
+                        <a:rPr lang="en-US" dirty="0" smtClean="0"/>
+                        <a:t>Password</a:t>
+                      </a:r>
+                      <a:endParaRPr lang="en-US" dirty="0"/>
+                    </a:p>
+                  </a:txBody>
+                  <a:tcPr/>
+                </a:tc>
+                <a:tc>
+                  <a:txBody>
+                    <a:bodyPr/>
+                    <a:lstStyle/>
+                    <a:p>
+                      <a:r>
+                        <a:rPr lang="en-US" dirty="0" err="1" smtClean="0"/>
+                        <a:t>IsAdmin</a:t>
+                      </a:r>
+                      <a:endParaRPr lang="en-US" dirty="0"/>
+                    </a:p>
+                  </a:txBody>
+                  <a:tcPr/>
+                </a:tc>
+              </a:tr>
+              <a:tr h="370840">
+                <a:tc>
+                  <a:txBody>
+                    <a:bodyPr/>
+                    <a:lstStyle/>
+                    <a:p>
+                      <a:r>
+                        <a:rPr lang="en-US" dirty="0" smtClean="0"/>
+                        <a:t>1</a:t>
+                      </a:r>
+                      <a:endParaRPr lang="en-US" dirty="0"/>
+                    </a:p>
+                  </a:txBody>
+                  <a:tcPr/>
+                </a:tc>
+                <a:tc>
+                  <a:txBody>
+                    <a:bodyPr/>
+                    <a:lstStyle/>
+                    <a:p>
+                      <a:r>
+                        <a:rPr lang="en-US" dirty="0" smtClean="0">
+                          <a:hlinkClick r:id="rId2"/>
+                        </a:rPr>
+                        <a:t>abhi@gmail.com</a:t>
+                      </a:r>
+                      <a:endParaRPr lang="en-US" dirty="0"/>
+                    </a:p>
+                  </a:txBody>
+                  <a:tcPr/>
+                </a:tc>
+                <a:tc>
+                  <a:txBody>
+                    <a:bodyPr/>
+                    <a:lstStyle/>
+                    <a:p>
+                      <a:r>
+                        <a:rPr lang="en-US" dirty="0" smtClean="0"/>
+                        <a:t>12345</a:t>
+                      </a:r>
+                      <a:endParaRPr lang="en-US" dirty="0"/>
+                    </a:p>
+                  </a:txBody>
+                  <a:tcPr/>
+                </a:tc>
+                <a:tc>
+                  <a:txBody>
+                    <a:bodyPr/>
+                    <a:lstStyle/>
+                    <a:p>
+                      <a:r>
+                        <a:rPr lang="en-US" dirty="0" smtClean="0"/>
+                        <a:t>Null</a:t>
+                      </a:r>
+                      <a:endParaRPr lang="en-US" dirty="0"/>
+                    </a:p>
+                  </a:txBody>
+                  <a:tcPr/>
+                </a:tc>
+              </a:tr>
+              <a:tr h="370840">
+                <a:tc>
+                  <a:txBody>
+                    <a:bodyPr/>
+                    <a:lstStyle/>
+                    <a:p>
+                      <a:r>
+                        <a:rPr lang="en-US" dirty="0" smtClean="0"/>
+                        <a:t>2</a:t>
+                      </a:r>
+                      <a:endParaRPr lang="en-US" dirty="0"/>
+                    </a:p>
+                  </a:txBody>
+                  <a:tcPr/>
+                </a:tc>
+                <a:tc>
+                  <a:txBody>
+                    <a:bodyPr/>
+                    <a:lstStyle/>
+                    <a:p>
+                      <a:endParaRPr lang="en-US" dirty="0"/>
+                    </a:p>
+                  </a:txBody>
+                  <a:tcPr/>
+                </a:tc>
+                <a:tc>
+                  <a:txBody>
+                    <a:bodyPr/>
+                    <a:lstStyle/>
+                    <a:p>
+                      <a:endParaRPr lang="en-US"/>
+                    </a:p>
+                  </a:txBody>
+                  <a:tcPr/>
+                </a:tc>
+                <a:tc>
+                  <a:txBody>
+                    <a:bodyPr/>
+                    <a:lstStyle/>
+                    <a:p>
+                      <a:endParaRPr lang="en-US"/>
+                    </a:p>
+                  </a:txBody>
+                  <a:tcPr/>
+                </a:tc>
+              </a:tr>
+              <a:tr h="370840">
+                <a:tc>
+                  <a:txBody>
+                    <a:bodyPr/>
+                    <a:lstStyle/>
+                    <a:p>
+                      <a:endParaRPr lang="en-US"/>
+                    </a:p>
+                  </a:txBody>
+                  <a:tcPr/>
+                </a:tc>
+                <a:tc>
+                  <a:txBody>
+                    <a:bodyPr/>
+                    <a:lstStyle/>
+                    <a:p>
+                      <a:endParaRPr lang="en-US" dirty="0"/>
+                    </a:p>
+                  </a:txBody>
+                  <a:tcPr/>
+                </a:tc>
+                <a:tc>
+                  <a:txBody>
+                    <a:bodyPr/>
+                    <a:lstStyle/>
+                    <a:p>
+                      <a:endParaRPr lang="en-US"/>
+                    </a:p>
+                  </a:txBody>
+                  <a:tcPr/>
+                </a:tc>
+                <a:tc>
+                  <a:txBody>
+                    <a:bodyPr/>
+                    <a:lstStyle/>
+                    <a:p>
+                      <a:endParaRPr lang="en-US" dirty="0"/>
+                    </a:p>
+                  </a:txBody>
+                  <a:tcPr/>
+                </a:tc>
+              </a:tr>
+            </a:tbl>
+          </a:graphicData>
+        </a:graphic>
+      </p:graphicFrame>
+      <p:graphicFrame>
+        <p:nvGraphicFramePr>
+          <p:cNvPr id="5" name="Table 4"/>
+          <p:cNvGraphicFramePr>
+            <a:graphicFrameLocks noGrp="1"/>
+          </p:cNvGraphicFramePr>
+          <p:nvPr>
+            <p:extLst>
+              <p:ext uri="{D42A27DB-BD31-4B8C-83A1-F6EECF244321}">
+                <p14:modId xmlns:p14="http://schemas.microsoft.com/office/powerpoint/2010/main" val="4002278008"/>
+              </p:ext>
+            </p:extLst>
+          </p:nvPr>
+        </p:nvGraphicFramePr>
+        <p:xfrm>
+          <a:off x="533400" y="3429000"/>
+          <a:ext cx="7467600" cy="1930400"/>
+        </p:xfrm>
+        <a:graphic>
+          <a:graphicData uri="http://schemas.openxmlformats.org/drawingml/2006/table">
+            <a:tbl>
+              <a:tblPr firstRow="1" bandRow="1">
+                <a:tableStyleId>{5C22544A-7EE6-4342-B048-85BDC9FD1C3A}</a:tableStyleId>
+              </a:tblPr>
+              <a:tblGrid>
+                <a:gridCol w="533400"/>
+                <a:gridCol w="1295400"/>
+                <a:gridCol w="1219200"/>
+                <a:gridCol w="609600"/>
+                <a:gridCol w="1219200"/>
+                <a:gridCol w="723900"/>
+                <a:gridCol w="933450"/>
+                <a:gridCol w="933450"/>
+              </a:tblGrid>
+              <a:tr h="370840">
+                <a:tc>
+                  <a:txBody>
+                    <a:bodyPr/>
+                    <a:lstStyle/>
+                    <a:p>
+                      <a:r>
+                        <a:rPr lang="en-US" dirty="0" smtClean="0"/>
+                        <a:t>Id</a:t>
+                      </a:r>
+                      <a:endParaRPr lang="en-US" dirty="0"/>
+                    </a:p>
+                  </a:txBody>
+                  <a:tcPr/>
+                </a:tc>
+                <a:tc>
+                  <a:txBody>
+                    <a:bodyPr/>
+                    <a:lstStyle/>
+                    <a:p>
+                      <a:r>
+                        <a:rPr lang="en-US" dirty="0" smtClean="0"/>
+                        <a:t>Product</a:t>
+                      </a:r>
+                    </a:p>
+                    <a:p>
+                      <a:r>
+                        <a:rPr lang="en-US" dirty="0" smtClean="0"/>
+                        <a:t>name</a:t>
+                      </a:r>
+                      <a:endParaRPr lang="en-US" dirty="0"/>
+                    </a:p>
+                  </a:txBody>
+                  <a:tcPr/>
+                </a:tc>
+                <a:tc>
+                  <a:txBody>
+                    <a:bodyPr/>
+                    <a:lstStyle/>
+                    <a:p>
+                      <a:r>
+                        <a:rPr lang="en-US" dirty="0" smtClean="0"/>
+                        <a:t>Product description</a:t>
+                      </a:r>
+                      <a:endParaRPr lang="en-US" dirty="0"/>
+                    </a:p>
+                  </a:txBody>
+                  <a:tcPr/>
+                </a:tc>
+                <a:tc>
+                  <a:txBody>
+                    <a:bodyPr/>
+                    <a:lstStyle/>
+                    <a:p>
+                      <a:r>
+                        <a:rPr lang="en-US" dirty="0" smtClean="0"/>
+                        <a:t>Cat</a:t>
+                      </a:r>
+                    </a:p>
+                    <a:p>
+                      <a:r>
+                        <a:rPr lang="en-US" dirty="0" smtClean="0"/>
+                        <a:t>ID</a:t>
+                      </a:r>
+                      <a:endParaRPr lang="en-US" dirty="0"/>
+                    </a:p>
+                  </a:txBody>
+                  <a:tcPr/>
+                </a:tc>
+                <a:tc>
+                  <a:txBody>
+                    <a:bodyPr/>
+                    <a:lstStyle/>
+                    <a:p>
+                      <a:r>
+                        <a:rPr lang="en-US" dirty="0" smtClean="0"/>
+                        <a:t>Product</a:t>
+                      </a:r>
+                    </a:p>
+                    <a:p>
+                      <a:r>
+                        <a:rPr lang="en-US" dirty="0" smtClean="0"/>
+                        <a:t>Image</a:t>
+                      </a:r>
+                      <a:endParaRPr lang="en-US" dirty="0"/>
+                    </a:p>
+                  </a:txBody>
+                  <a:tcPr/>
+                </a:tc>
+                <a:tc>
+                  <a:txBody>
+                    <a:bodyPr/>
+                    <a:lstStyle/>
+                    <a:p>
+                      <a:r>
+                        <a:rPr lang="en-US" dirty="0" err="1" smtClean="0"/>
+                        <a:t>Productmrp</a:t>
+                      </a:r>
+                      <a:endParaRPr lang="en-US" dirty="0"/>
+                    </a:p>
+                  </a:txBody>
+                  <a:tcPr/>
+                </a:tc>
+                <a:tc>
+                  <a:txBody>
+                    <a:bodyPr/>
+                    <a:lstStyle/>
+                    <a:p>
+                      <a:r>
+                        <a:rPr lang="en-US" dirty="0" smtClean="0"/>
+                        <a:t>Product final</a:t>
+                      </a:r>
+                      <a:endParaRPr lang="en-US" dirty="0"/>
+                    </a:p>
+                  </a:txBody>
+                  <a:tcPr/>
+                </a:tc>
+                <a:tc>
+                  <a:txBody>
+                    <a:bodyPr/>
+                    <a:lstStyle/>
+                    <a:p>
+                      <a:r>
+                        <a:rPr lang="en-US" dirty="0" smtClean="0"/>
+                        <a:t>Product quantity</a:t>
+                      </a:r>
+                      <a:endParaRPr lang="en-US" dirty="0"/>
+                    </a:p>
+                  </a:txBody>
+                  <a:tcPr/>
+                </a:tc>
+              </a:tr>
+              <a:tr h="370840">
+                <a:tc>
+                  <a:txBody>
+                    <a:bodyPr/>
+                    <a:lstStyle/>
+                    <a:p>
+                      <a:r>
+                        <a:rPr lang="en-US" dirty="0" smtClean="0"/>
+                        <a:t>1</a:t>
+                      </a:r>
+                      <a:endParaRPr lang="en-US" dirty="0"/>
+                    </a:p>
+                  </a:txBody>
+                  <a:tcPr/>
+                </a:tc>
+                <a:tc>
+                  <a:txBody>
+                    <a:bodyPr/>
+                    <a:lstStyle/>
+                    <a:p>
+                      <a:r>
+                        <a:rPr lang="en-US" dirty="0" smtClean="0"/>
+                        <a:t>Mobile</a:t>
+                      </a:r>
+                      <a:endParaRPr lang="en-US" dirty="0"/>
+                    </a:p>
+                  </a:txBody>
+                  <a:tcPr/>
+                </a:tc>
+                <a:tc>
+                  <a:txBody>
+                    <a:bodyPr/>
+                    <a:lstStyle/>
+                    <a:p>
+                      <a:r>
+                        <a:rPr lang="en-US" dirty="0" smtClean="0"/>
+                        <a:t>Vivo</a:t>
+                      </a:r>
+                      <a:endParaRPr lang="en-US" dirty="0"/>
+                    </a:p>
+                  </a:txBody>
+                  <a:tcPr/>
+                </a:tc>
+                <a:tc>
+                  <a:txBody>
+                    <a:bodyPr/>
+                    <a:lstStyle/>
+                    <a:p>
+                      <a:r>
+                        <a:rPr lang="en-US" dirty="0" smtClean="0"/>
+                        <a:t>1</a:t>
+                      </a:r>
+                      <a:endParaRPr lang="en-US" dirty="0"/>
+                    </a:p>
+                  </a:txBody>
+                  <a:tcPr/>
+                </a:tc>
+                <a:tc>
+                  <a:txBody>
+                    <a:bodyPr/>
+                    <a:lstStyle/>
+                    <a:p>
+                      <a:endParaRPr lang="en-US" dirty="0"/>
+                    </a:p>
+                  </a:txBody>
+                  <a:tcPr/>
+                </a:tc>
+                <a:tc>
+                  <a:txBody>
+                    <a:bodyPr/>
+                    <a:lstStyle/>
+                    <a:p>
+                      <a:r>
+                        <a:rPr lang="en-US" dirty="0" smtClean="0"/>
+                        <a:t>1500</a:t>
+                      </a:r>
+                      <a:endParaRPr lang="en-US" dirty="0"/>
+                    </a:p>
+                  </a:txBody>
+                  <a:tcPr/>
+                </a:tc>
+                <a:tc>
+                  <a:txBody>
+                    <a:bodyPr/>
+                    <a:lstStyle/>
+                    <a:p>
+                      <a:r>
+                        <a:rPr lang="en-US" dirty="0" smtClean="0"/>
+                        <a:t>15000</a:t>
+                      </a:r>
+                      <a:endParaRPr lang="en-US" dirty="0"/>
+                    </a:p>
+                  </a:txBody>
+                  <a:tcPr/>
+                </a:tc>
+                <a:tc>
+                  <a:txBody>
+                    <a:bodyPr/>
+                    <a:lstStyle/>
+                    <a:p>
+                      <a:r>
+                        <a:rPr lang="en-US" dirty="0" smtClean="0"/>
+                        <a:t>2</a:t>
+                      </a:r>
+                      <a:endParaRPr lang="en-US" dirty="0"/>
+                    </a:p>
+                  </a:txBody>
+                  <a:tcPr/>
+                </a:tc>
+              </a:tr>
+              <a:tr h="370840">
+                <a:tc>
+                  <a:txBody>
+                    <a:bodyPr/>
+                    <a:lstStyle/>
+                    <a:p>
+                      <a:endParaRPr lang="en-US"/>
+                    </a:p>
+                  </a:txBody>
+                  <a:tcPr/>
+                </a:tc>
+                <a:tc>
+                  <a:txBody>
+                    <a:bodyPr/>
+                    <a:lstStyle/>
+                    <a:p>
+                      <a:endParaRPr lang="en-US"/>
+                    </a:p>
+                  </a:txBody>
+                  <a:tcPr/>
+                </a:tc>
+                <a:tc>
+                  <a:txBody>
+                    <a:bodyPr/>
+                    <a:lstStyle/>
+                    <a:p>
+                      <a:endParaRPr lang="en-US"/>
+                    </a:p>
+                  </a:txBody>
+                  <a:tcPr/>
+                </a:tc>
+                <a:tc>
+                  <a:txBody>
+                    <a:bodyPr/>
+                    <a:lstStyle/>
+                    <a:p>
+                      <a:endParaRPr lang="en-US"/>
+                    </a:p>
+                  </a:txBody>
+                  <a:tcPr/>
+                </a:tc>
+                <a:tc>
+                  <a:txBody>
+                    <a:bodyPr/>
+                    <a:lstStyle/>
+                    <a:p>
+                      <a:endParaRPr lang="en-US" dirty="0"/>
+                    </a:p>
+                  </a:txBody>
+                  <a:tcPr/>
+                </a:tc>
+                <a:tc>
+                  <a:txBody>
+                    <a:bodyPr/>
+                    <a:lstStyle/>
+                    <a:p>
+                      <a:endParaRPr lang="en-US"/>
+                    </a:p>
+                  </a:txBody>
+                  <a:tcPr/>
+                </a:tc>
+                <a:tc>
+                  <a:txBody>
+                    <a:bodyPr/>
+                    <a:lstStyle/>
+                    <a:p>
+                      <a:endParaRPr lang="en-US"/>
+                    </a:p>
+                  </a:txBody>
+                  <a:tcPr/>
+                </a:tc>
+                <a:tc>
+                  <a:txBody>
+                    <a:bodyPr/>
+                    <a:lstStyle/>
+                    <a:p>
+                      <a:endParaRPr lang="en-US" dirty="0"/>
+                    </a:p>
+                  </a:txBody>
+                  <a:tcPr/>
+                </a:tc>
+              </a:tr>
+            </a:tbl>
+          </a:graphicData>
+        </a:graphic>
+      </p:graphicFrame>
+      <p:graphicFrame>
+        <p:nvGraphicFramePr>
+          <p:cNvPr id="6" name="Table 5"/>
+          <p:cNvGraphicFramePr>
+            <a:graphicFrameLocks noGrp="1"/>
+          </p:cNvGraphicFramePr>
+          <p:nvPr>
+            <p:extLst>
+              <p:ext uri="{D42A27DB-BD31-4B8C-83A1-F6EECF244321}">
+                <p14:modId xmlns:p14="http://schemas.microsoft.com/office/powerpoint/2010/main" val="227575135"/>
+              </p:ext>
+            </p:extLst>
+          </p:nvPr>
+        </p:nvGraphicFramePr>
+        <p:xfrm>
+          <a:off x="838200" y="5943600"/>
+          <a:ext cx="6096000" cy="741680"/>
+        </p:xfrm>
+        <a:graphic>
+          <a:graphicData uri="http://schemas.openxmlformats.org/drawingml/2006/table">
+            <a:tbl>
+              <a:tblPr firstRow="1" bandRow="1">
+                <a:tableStyleId>{5C22544A-7EE6-4342-B048-85BDC9FD1C3A}</a:tableStyleId>
+              </a:tblPr>
+              <a:tblGrid>
+                <a:gridCol w="3048000"/>
+                <a:gridCol w="3048000"/>
+              </a:tblGrid>
+              <a:tr h="370840">
+                <a:tc>
+                  <a:txBody>
+                    <a:bodyPr/>
+                    <a:lstStyle/>
+                    <a:p>
+                      <a:r>
+                        <a:rPr lang="en-US" dirty="0" smtClean="0"/>
+                        <a:t>ID</a:t>
+                      </a:r>
+                      <a:endParaRPr lang="en-US" dirty="0"/>
+                    </a:p>
+                  </a:txBody>
+                  <a:tcPr/>
+                </a:tc>
+                <a:tc>
+                  <a:txBody>
+                    <a:bodyPr/>
+                    <a:lstStyle/>
+                    <a:p>
+                      <a:r>
+                        <a:rPr lang="en-US" dirty="0" err="1" smtClean="0"/>
+                        <a:t>CategoryName</a:t>
+                      </a:r>
+                      <a:endParaRPr lang="en-US" dirty="0"/>
+                    </a:p>
+                  </a:txBody>
+                  <a:tcPr/>
+                </a:tc>
+              </a:tr>
+              <a:tr h="370840">
+                <a:tc>
+                  <a:txBody>
+                    <a:bodyPr/>
+                    <a:lstStyle/>
+                    <a:p>
+                      <a:endParaRPr lang="en-US" dirty="0"/>
+                    </a:p>
+                  </a:txBody>
+                  <a:tcPr/>
+                </a:tc>
+                <a:tc>
+                  <a:txBody>
+                    <a:bodyPr/>
+                    <a:lstStyle/>
+                    <a:p>
+                      <a:endParaRPr lang="en-US" dirty="0"/>
+                    </a:p>
+                  </a:txBody>
+                  <a:tcPr/>
+                </a:tc>
+              </a:tr>
+            </a:tbl>
+          </a:graphicData>
+        </a:graphic>
+      </p:graphicFrame>
+      <p:sp>
+        <p:nvSpPr>
+          <p:cNvPr id="7" name="TextBox 6"/>
+          <p:cNvSpPr txBox="1"/>
+          <p:nvPr/>
+        </p:nvSpPr>
+        <p:spPr>
+          <a:xfrm>
+            <a:off x="533400" y="711200"/>
+            <a:ext cx="3352800" cy="369332"/>
+          </a:xfrm>
+          <a:prstGeom prst="rect">
+            <a:avLst/>
+          </a:prstGeom>
+          <a:noFill/>
+        </p:spPr>
+        <p:txBody>
+          <a:bodyPr wrap="square" rtlCol="0">
+            <a:spAutoFit/>
+          </a:bodyPr>
+          <a:lstStyle/>
+          <a:p>
+            <a:r>
+              <a:rPr lang="en-US" dirty="0" smtClean="0"/>
+              <a:t>1. User Details Table</a:t>
+            </a:r>
+            <a:endParaRPr lang="en-US" dirty="0"/>
+          </a:p>
+        </p:txBody>
+      </p:sp>
+      <p:sp>
+        <p:nvSpPr>
+          <p:cNvPr id="8" name="TextBox 7"/>
+          <p:cNvSpPr txBox="1"/>
+          <p:nvPr/>
+        </p:nvSpPr>
+        <p:spPr>
+          <a:xfrm>
+            <a:off x="533400" y="2864366"/>
+            <a:ext cx="3048000" cy="369332"/>
+          </a:xfrm>
+          <a:prstGeom prst="rect">
+            <a:avLst/>
+          </a:prstGeom>
+          <a:noFill/>
+        </p:spPr>
+        <p:txBody>
+          <a:bodyPr wrap="square" rtlCol="0">
+            <a:spAutoFit/>
+          </a:bodyPr>
+          <a:lstStyle/>
+          <a:p>
+            <a:r>
+              <a:rPr lang="en-US" dirty="0" smtClean="0"/>
+              <a:t>2. Product Details Table</a:t>
+            </a:r>
+            <a:endParaRPr lang="en-US" dirty="0"/>
+          </a:p>
+        </p:txBody>
+      </p:sp>
+      <p:sp>
+        <p:nvSpPr>
+          <p:cNvPr id="9" name="TextBox 8"/>
+          <p:cNvSpPr txBox="1"/>
+          <p:nvPr/>
+        </p:nvSpPr>
+        <p:spPr>
+          <a:xfrm>
+            <a:off x="533400" y="5511800"/>
+            <a:ext cx="3048000" cy="369332"/>
+          </a:xfrm>
+          <a:prstGeom prst="rect">
+            <a:avLst/>
+          </a:prstGeom>
+          <a:noFill/>
+        </p:spPr>
+        <p:txBody>
+          <a:bodyPr wrap="square" rtlCol="0">
+            <a:spAutoFit/>
+          </a:bodyPr>
+          <a:lstStyle/>
+          <a:p>
+            <a:r>
+              <a:rPr lang="en-US" dirty="0" smtClean="0"/>
+              <a:t>3. Product Category Table</a:t>
+            </a:r>
+            <a:endParaRPr lang="en-US" dirty="0"/>
+          </a:p>
+        </p:txBody>
+      </p:sp>
+      <p:sp>
+        <p:nvSpPr>
+          <p:cNvPr id="10" name="TextBox 9"/>
+          <p:cNvSpPr txBox="1"/>
+          <p:nvPr/>
+        </p:nvSpPr>
+        <p:spPr>
+          <a:xfrm>
+            <a:off x="3429000" y="168414"/>
+            <a:ext cx="2743200" cy="523220"/>
+          </a:xfrm>
+          <a:prstGeom prst="rect">
+            <a:avLst/>
+          </a:prstGeom>
+          <a:noFill/>
+        </p:spPr>
+        <p:txBody>
+          <a:bodyPr wrap="square" rtlCol="0">
+            <a:spAutoFit/>
+          </a:bodyPr>
+          <a:lstStyle/>
+          <a:p>
+            <a:r>
+              <a:rPr lang="en-US" sz="2800" dirty="0" smtClean="0"/>
+              <a:t>Tables</a:t>
+            </a:r>
+            <a:endParaRPr lang="en-US" sz="2800" dirty="0"/>
+          </a:p>
+        </p:txBody>
+      </p:sp>
+    </p:spTree>
+    <p:extLst>
+      <p:ext uri="{BB962C8B-B14F-4D97-AF65-F5344CB8AC3E}">
+        <p14:creationId xmlns:p14="http://schemas.microsoft.com/office/powerpoint/2010/main" val="1983468348"/>
+      </p:ext>
+    </p:extLst>
+  </p:cSld>
+  <p:clrMapOvr>
+    <a:masterClrMapping/>
+  </p:clrMapOvr>
+</p:sld>
+</file>
+
+<file path=ppt/slides/slide6.xml><?xml version="1.0" encoding="utf-8"?>
+<p:sld xmlns:a="http://schemas.openxmlformats.org/drawingml/2006/main" xmlns:r="http://schemas.openxmlformats.org/officeDocument/2006/relationships" xmlns:p="http://schemas.openxmlformats.org/presentationml/2006/main">
+  <p:cSld>
+    <p:spTree>
+      <p:nvGrpSpPr>
+        <p:cNvPr id="1" name=""/>
+        <p:cNvGrpSpPr/>
+        <p:nvPr/>
+      </p:nvGrpSpPr>
+      <p:grpSpPr>
+        <a:xfrm>
+          <a:off x="0" y="0"/>
+          <a:ext cx="0" cy="0"/>
+          <a:chOff x="0" y="0"/>
+          <a:chExt cx="0" cy="0"/>
+        </a:xfrm>
+      </p:grpSpPr>
+      <p:sp>
+        <p:nvSpPr>
+          <p:cNvPr id="2" name="Title 1"/>
+          <p:cNvSpPr>
+            <a:spLocks noGrp="1"/>
+          </p:cNvSpPr>
+          <p:nvPr>
+            <p:ph type="title"/>
+          </p:nvPr>
+        </p:nvSpPr>
+        <p:spPr/>
+        <p:txBody>
+          <a:bodyPr/>
+          <a:lstStyle/>
+          <a:p>
+            <a:endParaRPr lang="en-US"/>
+          </a:p>
+        </p:txBody>
+      </p:sp>
+      <p:pic>
+        <p:nvPicPr>
+          <p:cNvPr id="4" name="Content Placeholder 3"/>
+          <p:cNvPicPr>
+            <a:picLocks noGrp="1" noChangeAspect="1"/>
+          </p:cNvPicPr>
+          <p:nvPr>
+            <p:ph sz="quarter" idx="1"/>
+          </p:nvPr>
+        </p:nvPicPr>
+        <p:blipFill rotWithShape="1">
+          <a:blip r:embed="rId2">
+            <a:extLst>
+              <a:ext uri="{28A0092B-C50C-407E-A947-70E740481C1C}">
+                <a14:useLocalDpi xmlns:a14="http://schemas.microsoft.com/office/drawing/2010/main" val="0"/>
+              </a:ext>
+            </a:extLst>
+          </a:blip>
+          <a:srcRect t="4418" b="4971"/>
+          <a:stretch/>
+        </p:blipFill>
+        <p:spPr>
+          <a:xfrm>
+            <a:off x="152400" y="228600"/>
+            <a:ext cx="8763000" cy="5957047"/>
+          </a:xfrm>
+        </p:spPr>
+      </p:pic>
+    </p:spTree>
+    <p:extLst>
+      <p:ext uri="{BB962C8B-B14F-4D97-AF65-F5344CB8AC3E}">
+        <p14:creationId xmlns:p14="http://schemas.microsoft.com/office/powerpoint/2010/main" val="2041441526"/>
+      </p:ext>
+    </p:extLst>
+  </p:cSld>
+  <p:clrMapOvr>
+    <a:masterClrMapping/>
+  </p:clrMapOvr>
+</p:sld>
+</file>
+
+<file path=ppt/slides/slide7.xml><?xml version="1.0" encoding="utf-8"?>
+<p:sld xmlns:a="http://schemas.openxmlformats.org/drawingml/2006/main" xmlns:r="http://schemas.openxmlformats.org/officeDocument/2006/relationships" xmlns:p="http://schemas.openxmlformats.org/presentationml/2006/main">
+  <p:cSld>
+    <p:spTree>
+      <p:nvGrpSpPr>
+        <p:cNvPr id="1" name=""/>
+        <p:cNvGrpSpPr/>
+        <p:nvPr/>
+      </p:nvGrpSpPr>
+      <p:grpSpPr>
+        <a:xfrm>
+          <a:off x="0" y="0"/>
+          <a:ext cx="0" cy="0"/>
+          <a:chOff x="0" y="0"/>
+          <a:chExt cx="0" cy="0"/>
+        </a:xfrm>
+      </p:grpSpPr>
+      <p:sp>
+        <p:nvSpPr>
+          <p:cNvPr id="2" name="Title 1"/>
+          <p:cNvSpPr>
+            <a:spLocks noGrp="1"/>
+          </p:cNvSpPr>
+          <p:nvPr>
+            <p:ph type="title"/>
+          </p:nvPr>
+        </p:nvSpPr>
+        <p:spPr/>
+        <p:txBody>
+          <a:bodyPr/>
+          <a:lstStyle/>
+          <a:p>
+            <a:endParaRPr lang="en-US"/>
+          </a:p>
+        </p:txBody>
+      </p:sp>
+      <p:pic>
+        <p:nvPicPr>
+          <p:cNvPr id="4" name="Content Placeholder 3"/>
+          <p:cNvPicPr>
+            <a:picLocks noGrp="1" noChangeAspect="1"/>
+          </p:cNvPicPr>
+          <p:nvPr>
+            <p:ph sz="quarter" idx="1"/>
+          </p:nvPr>
+        </p:nvPicPr>
+        <p:blipFill rotWithShape="1">
+          <a:blip r:embed="rId2">
+            <a:extLst>
+              <a:ext uri="{28A0092B-C50C-407E-A947-70E740481C1C}">
+                <a14:useLocalDpi xmlns:a14="http://schemas.microsoft.com/office/drawing/2010/main" val="0"/>
+              </a:ext>
+            </a:extLst>
+          </a:blip>
+          <a:srcRect t="4780" b="5082"/>
+          <a:stretch/>
+        </p:blipFill>
+        <p:spPr>
+          <a:xfrm>
+            <a:off x="457200" y="510989"/>
+            <a:ext cx="7467600" cy="5325036"/>
+          </a:xfrm>
+        </p:spPr>
+      </p:pic>
+    </p:spTree>
+    <p:extLst>
+      <p:ext uri="{BB962C8B-B14F-4D97-AF65-F5344CB8AC3E}">
+        <p14:creationId xmlns:p14="http://schemas.microsoft.com/office/powerpoint/2010/main" val="2100927156"/>
+      </p:ext>
+    </p:extLst>
+  </p:cSld>
+  <p:clrMapOvr>
+    <a:masterClrMapping/>
+  </p:clrMapOvr>
+</p:sld>
+</file>
+
+<file path=ppt/slides/slide8.xml><?xml version="1.0" encoding="utf-8"?>
+<p:sld xmlns:a="http://schemas.openxmlformats.org/drawingml/2006/main" xmlns:r="http://schemas.openxmlformats.org/officeDocument/2006/relationships" xmlns:p="http://schemas.openxmlformats.org/presentationml/2006/main">
+  <p:cSld>
+    <p:spTree>
+      <p:nvGrpSpPr>
+        <p:cNvPr id="1" name=""/>
+        <p:cNvGrpSpPr/>
+        <p:nvPr/>
+      </p:nvGrpSpPr>
+      <p:grpSpPr>
+        <a:xfrm>
+          <a:off x="0" y="0"/>
+          <a:ext cx="0" cy="0"/>
+          <a:chOff x="0" y="0"/>
+          <a:chExt cx="0" cy="0"/>
+        </a:xfrm>
+      </p:grpSpPr>
+      <p:sp>
+        <p:nvSpPr>
+          <p:cNvPr id="2" name="Title 1"/>
+          <p:cNvSpPr>
+            <a:spLocks noGrp="1"/>
+          </p:cNvSpPr>
+          <p:nvPr>
+            <p:ph type="title"/>
+          </p:nvPr>
+        </p:nvSpPr>
+        <p:spPr/>
+        <p:txBody>
+          <a:bodyPr>
+            <a:normAutofit/>
+          </a:bodyPr>
+          <a:lstStyle/>
+          <a:p>
+            <a:r>
+              <a:rPr lang="en-US" sz="4800" dirty="0" err="1">
+                <a:solidFill>
+                  <a:srgbClr val="FFC000"/>
+                </a:solidFill>
+              </a:rPr>
+              <a:t>git</a:t>
+            </a:r>
+            <a:r>
+              <a:rPr lang="en-US" sz="4800" dirty="0">
+                <a:solidFill>
+                  <a:srgbClr val="FFC000"/>
+                </a:solidFill>
+              </a:rPr>
+              <a:t> repository</a:t>
+            </a:r>
+          </a:p>
+        </p:txBody>
+      </p:sp>
+      <p:sp>
+        <p:nvSpPr>
+          <p:cNvPr id="3" name="Content Placeholder 2"/>
+          <p:cNvSpPr>
+            <a:spLocks noGrp="1"/>
+          </p:cNvSpPr>
+          <p:nvPr>
+            <p:ph sz="quarter" idx="1"/>
+          </p:nvPr>
+        </p:nvSpPr>
+        <p:spPr/>
+        <p:txBody>
+          <a:bodyPr/>
+          <a:lstStyle/>
+          <a:p>
+            <a:r>
+              <a:rPr lang="en-US" dirty="0"/>
+              <a:t>https://github.com/dnyaneshd1999/Ecommerce_project.git</a:t>
+            </a:r>
+          </a:p>
+        </p:txBody>
+      </p:sp>
+    </p:spTree>
+    <p:extLst>
+      <p:ext uri="{BB962C8B-B14F-4D97-AF65-F5344CB8AC3E}">
+        <p14:creationId xmlns:p14="http://schemas.microsoft.com/office/powerpoint/2010/main" val="3130425380"/>
+      </p:ext>
+    </p:extLst>
+  </p:cSld>
+  <p:clrMapOvr>
+    <a:masterClrMapping/>
+  </p:clrMapOvr>
+</p:sld>
+</file>
+
+<file path=ppt/slides/slide9.xml><?xml version="1.0" encoding="utf-8"?>
 <p:sld xmlns:a="http://schemas.openxmlformats.org/drawingml/2006/main" xmlns:r="http://schemas.openxmlformats.org/officeDocument/2006/relationships" xmlns:p="http://schemas.openxmlformats.org/presentationml/2006/main">
   <p:cSld>
     <p:spTree>
@@ -6402,4 +7983,289 @@
   <a:objectDefaults/>
   <a:extraClrSchemeLst/>
 </a:theme>
+</file>
+
+<file path=ppt/theme/theme2.xml><?xml version="1.0" encoding="utf-8"?>
+<a:theme xmlns:a="http://schemas.openxmlformats.org/drawingml/2006/main" name="Office Theme">
+  <a:themeElements>
+    <a:clrScheme name="Office">
+      <a:dk1>
+        <a:sysClr val="windowText" lastClr="000000"/>
+      </a:dk1>
+      <a:lt1>
+        <a:sysClr val="window" lastClr="FFFFFF"/>
+      </a:lt1>
+      <a:dk2>
+        <a:srgbClr val="1F497D"/>
+      </a:dk2>
+      <a:lt2>
+        <a:srgbClr val="EEECE1"/>
+      </a:lt2>
+      <a:accent1>
+        <a:srgbClr val="4F81BD"/>
+      </a:accent1>
+      <a:accent2>
+        <a:srgbClr val="C0504D"/>
+      </a:accent2>
+      <a:accent3>
+        <a:srgbClr val="9BBB59"/>
+      </a:accent3>
+      <a:accent4>
+        <a:srgbClr val="8064A2"/>
+      </a:accent4>
+      <a:accent5>
+        <a:srgbClr val="4BACC6"/>
+      </a:accent5>
+      <a:accent6>
+        <a:srgbClr val="F79646"/>
+      </a:accent6>
+      <a:hlink>
+        <a:srgbClr val="0000FF"/>
+      </a:hlink>
+      <a:folHlink>
+        <a:srgbClr val="800080"/>
+      </a:folHlink>
+    </a:clrScheme>
+    <a:fontScheme name="Office">
+      <a:majorFont>
+        <a:latin typeface="Calibri"/>
+        <a:ea typeface=""/>
+        <a:cs typeface=""/>
+        <a:font script="Jpan" typeface="ＭＳ Ｐゴシック"/>
+        <a:font script="Hang" typeface="맑은 고딕"/>
+        <a:font script="Hans" typeface="宋体"/>
+        <a:font script="Hant" typeface="新細明體"/>
+        <a:font script="Arab" typeface="Times New Roman"/>
+        <a:font script="Hebr" typeface="Times New Roman"/>
+        <a:font script="Thai" typeface="Angsana New"/>
+        <a:font script="Ethi" typeface="Nyala"/>
+        <a:font script="Beng" typeface="Vrinda"/>
+        <a:font script="Gujr" typeface="Shruti"/>
+        <a:font script="Khmr" typeface="MoolBoran"/>
+        <a:font script="Knda" typeface="Tunga"/>
+        <a:font script="Guru" typeface="Raavi"/>
+        <a:font script="Cans" typeface="Euphemia"/>
+        <a:font script="Cher" typeface="Plantagenet Cherokee"/>
+        <a:font script="Yiii" typeface="Microsoft Yi Baiti"/>
+        <a:font script="Tibt" typeface="Microsoft Himalaya"/>
+        <a:font script="Thaa" typeface="MV Boli"/>
+        <a:font script="Deva" typeface="Mangal"/>
+        <a:font script="Telu" typeface="Gautami"/>
+        <a:font script="Taml" typeface="Latha"/>
+        <a:font script="Syrc" typeface="Estrangelo Edessa"/>
+        <a:font script="Orya" typeface="Kalinga"/>
+        <a:font script="Mlym" typeface="Kartika"/>
+        <a:font script="Laoo" typeface="DokChampa"/>
+        <a:font script="Sinh" typeface="Iskoola Pota"/>
+        <a:font script="Mong" typeface="Mongolian Baiti"/>
+        <a:font script="Viet" typeface="Times New Roman"/>
+        <a:font script="Uigh" typeface="Microsoft Uighur"/>
+        <a:font script="Geor" typeface="Sylfaen"/>
+      </a:majorFont>
+      <a:minorFont>
+        <a:latin typeface="Calibri"/>
+        <a:ea typeface=""/>
+        <a:cs typeface=""/>
+        <a:font script="Jpan" typeface="ＭＳ Ｐゴシック"/>
+        <a:font script="Hang" typeface="맑은 고딕"/>
+        <a:font script="Hans" typeface="宋体"/>
+        <a:font script="Hant" typeface="新細明體"/>
+        <a:font script="Arab" typeface="Arial"/>
+        <a:font script="Hebr" typeface="Arial"/>
+        <a:font script="Thai" typeface="Cordia New"/>
+        <a:font script="Ethi" typeface="Nyala"/>
+        <a:font script="Beng" typeface="Vrinda"/>
+        <a:font script="Gujr" typeface="Shruti"/>
+        <a:font script="Khmr" typeface="DaunPenh"/>
+        <a:font script="Knda" typeface="Tunga"/>
+        <a:font script="Guru" typeface="Raavi"/>
+        <a:font script="Cans" typeface="Euphemia"/>
+        <a:font script="Cher" typeface="Plantagenet Cherokee"/>
+        <a:font script="Yiii" typeface="Microsoft Yi Baiti"/>
+        <a:font script="Tibt" typeface="Microsoft Himalaya"/>
+        <a:font script="Thaa" typeface="MV Boli"/>
+        <a:font script="Deva" typeface="Mangal"/>
+        <a:font script="Telu" typeface="Gautami"/>
+        <a:font script="Taml" typeface="Latha"/>
+        <a:font script="Syrc" typeface="Estrangelo Edessa"/>
+        <a:font script="Orya" typeface="Kalinga"/>
+        <a:font script="Mlym" typeface="Kartika"/>
+        <a:font script="Laoo" typeface="DokChampa"/>
+        <a:font script="Sinh" typeface="Iskoola Pota"/>
+        <a:font script="Mong" typeface="Mongolian Baiti"/>
+        <a:font script="Viet" typeface="Arial"/>
+        <a:font script="Uigh" typeface="Microsoft Uighur"/>
+        <a:font script="Geor" typeface="Sylfaen"/>
+      </a:minorFont>
+    </a:fontScheme>
+    <a:fmtScheme name="Office">
+      <a:fillStyleLst>
+        <a:solidFill>
+          <a:schemeClr val="phClr"/>
+        </a:solidFill>
+        <a:gradFill rotWithShape="1">
+          <a:gsLst>
+            <a:gs pos="0">
+              <a:schemeClr val="phClr">
+                <a:tint val="50000"/>
+                <a:satMod val="300000"/>
+              </a:schemeClr>
+            </a:gs>
+            <a:gs pos="35000">
+              <a:schemeClr val="phClr">
+                <a:tint val="37000"/>
+                <a:satMod val="300000"/>
+              </a:schemeClr>
+            </a:gs>
+            <a:gs pos="100000">
+              <a:schemeClr val="phClr">
+                <a:tint val="15000"/>
+                <a:satMod val="350000"/>
+              </a:schemeClr>
+            </a:gs>
+          </a:gsLst>
+          <a:lin ang="16200000" scaled="1"/>
+        </a:gradFill>
+        <a:gradFill rotWithShape="1">
+          <a:gsLst>
+            <a:gs pos="0">
+              <a:schemeClr val="phClr">
+                <a:shade val="51000"/>
+                <a:satMod val="130000"/>
+              </a:schemeClr>
+            </a:gs>
+            <a:gs pos="80000">
+              <a:schemeClr val="phClr">
+                <a:shade val="93000"/>
+                <a:satMod val="130000"/>
+              </a:schemeClr>
+            </a:gs>
+            <a:gs pos="100000">
+              <a:schemeClr val="phClr">
+                <a:shade val="94000"/>
+                <a:satMod val="135000"/>
+              </a:schemeClr>
+            </a:gs>
+          </a:gsLst>
+          <a:lin ang="16200000" scaled="0"/>
+        </a:gradFill>
+      </a:fillStyleLst>
+      <a:lnStyleLst>
+        <a:ln w="9525" cap="flat" cmpd="sng" algn="ctr">
+          <a:solidFill>
+            <a:schemeClr val="phClr">
+              <a:shade val="95000"/>
+              <a:satMod val="105000"/>
+            </a:schemeClr>
+          </a:solidFill>
+          <a:prstDash val="solid"/>
+        </a:ln>
+        <a:ln w="25400" cap="flat" cmpd="sng" algn="ctr">
+          <a:solidFill>
+            <a:schemeClr val="phClr"/>
+          </a:solidFill>
+          <a:prstDash val="solid"/>
+        </a:ln>
+        <a:ln w="38100" cap="flat" cmpd="sng" algn="ctr">
+          <a:solidFill>
+            <a:schemeClr val="phClr"/>
+          </a:solidFill>
+          <a:prstDash val="solid"/>
+        </a:ln>
+      </a:lnStyleLst>
+      <a:effectStyleLst>
+        <a:effectStyle>
+          <a:effectLst>
+            <a:outerShdw blurRad="40000" dist="20000" dir="5400000" rotWithShape="0">
+              <a:srgbClr val="000000">
+                <a:alpha val="38000"/>
+              </a:srgbClr>
+            </a:outerShdw>
+          </a:effectLst>
+        </a:effectStyle>
+        <a:effectStyle>
+          <a:effectLst>
+            <a:outerShdw blurRad="40000" dist="23000" dir="5400000" rotWithShape="0">
+              <a:srgbClr val="000000">
+                <a:alpha val="35000"/>
+              </a:srgbClr>
+            </a:outerShdw>
+          </a:effectLst>
+        </a:effectStyle>
+        <a:effectStyle>
+          <a:effectLst>
+            <a:outerShdw blurRad="40000" dist="23000" dir="5400000" rotWithShape="0">
+              <a:srgbClr val="000000">
+                <a:alpha val="35000"/>
+              </a:srgbClr>
+            </a:outerShdw>
+          </a:effectLst>
+          <a:scene3d>
+            <a:camera prst="orthographicFront">
+              <a:rot lat="0" lon="0" rev="0"/>
+            </a:camera>
+            <a:lightRig rig="threePt" dir="t">
+              <a:rot lat="0" lon="0" rev="1200000"/>
+            </a:lightRig>
+          </a:scene3d>
+          <a:sp3d>
+            <a:bevelT w="63500" h="25400"/>
+          </a:sp3d>
+        </a:effectStyle>
+      </a:effectStyleLst>
+      <a:bgFillStyleLst>
+        <a:solidFill>
+          <a:schemeClr val="phClr"/>
+        </a:solidFill>
+        <a:gradFill rotWithShape="1">
+          <a:gsLst>
+            <a:gs pos="0">
+              <a:schemeClr val="phClr">
+                <a:tint val="40000"/>
+                <a:satMod val="350000"/>
+              </a:schemeClr>
+            </a:gs>
+            <a:gs pos="40000">
+              <a:schemeClr val="phClr">
+                <a:tint val="45000"/>
+                <a:shade val="99000"/>
+                <a:satMod val="350000"/>
+              </a:schemeClr>
+            </a:gs>
+            <a:gs pos="100000">
+              <a:schemeClr val="phClr">
+                <a:shade val="20000"/>
+                <a:satMod val="255000"/>
+              </a:schemeClr>
+            </a:gs>
+          </a:gsLst>
+          <a:path path="circle">
+            <a:fillToRect l="50000" t="-80000" r="50000" b="180000"/>
+          </a:path>
+        </a:gradFill>
+        <a:gradFill rotWithShape="1">
+          <a:gsLst>
+            <a:gs pos="0">
+              <a:schemeClr val="phClr">
+                <a:tint val="80000"/>
+                <a:satMod val="300000"/>
+              </a:schemeClr>
+            </a:gs>
+            <a:gs pos="100000">
+              <a:schemeClr val="phClr">
+                <a:shade val="30000"/>
+                <a:satMod val="200000"/>
+              </a:schemeClr>
+            </a:gs>
+          </a:gsLst>
+          <a:path path="circle">
+            <a:fillToRect l="50000" t="50000" r="50000" b="50000"/>
+          </a:path>
+        </a:gradFill>
+      </a:bgFillStyleLst>
+    </a:fmtScheme>
+  </a:themeElements>
+  <a:objectDefaults/>
+  <a:extraClrSchemeLst/>
+</a:theme>
 </file>